--- a/eece2160/sp16/lectures/eece.2160sp16_lec21_arrays_p3.pptx
+++ b/eece2160/sp16/lectures/eece.2160sp16_lec21_arrays_p3.pptx
@@ -5,10 +5,10 @@
     <p:sldMasterId id="2147483792" r:id="rId1"/>
   </p:sldMasterIdLst>
   <p:notesMasterIdLst>
-    <p:notesMasterId r:id="rId23"/>
+    <p:notesMasterId r:id="rId20"/>
   </p:notesMasterIdLst>
   <p:handoutMasterIdLst>
-    <p:handoutMasterId r:id="rId24"/>
+    <p:handoutMasterId r:id="rId21"/>
   </p:handoutMasterIdLst>
   <p:sldIdLst>
     <p:sldId id="256" r:id="rId2"/>
@@ -28,10 +28,7 @@
     <p:sldId id="512" r:id="rId16"/>
     <p:sldId id="513" r:id="rId17"/>
     <p:sldId id="514" r:id="rId18"/>
-    <p:sldId id="515" r:id="rId19"/>
-    <p:sldId id="516" r:id="rId20"/>
-    <p:sldId id="517" r:id="rId21"/>
-    <p:sldId id="410" r:id="rId22"/>
+    <p:sldId id="410" r:id="rId19"/>
   </p:sldIdLst>
   <p:sldSz cx="9144000" cy="6858000" type="screen4x3"/>
   <p:notesSz cx="9144000" cy="6858000"/>
@@ -1344,9 +1341,9 @@
             <a:pPr>
               <a:defRPr/>
             </a:pPr>
-            <a:fld id="{50F17850-2D30-CE47-A38E-8923839B4636}" type="datetime1">
+            <a:fld id="{07F169B9-0E5F-4AB4-B507-7C85B4044866}" type="datetime1">
               <a:rPr lang="en-US" smtClean="0"/>
-              <a:t>3/21/16</a:t>
+              <a:t>3/23/16</a:t>
             </a:fld>
             <a:endParaRPr lang="en-US"/>
           </a:p>
@@ -1381,7 +1378,7 @@
             </a:pPr>
             <a:r>
               <a:rPr lang="en-US" altLang="en-US" smtClean="0"/>
-              <a:t>ECE Application Programming: Lecture 20</a:t>
+              <a:t>ECE Application Programming: Lecture 21</a:t>
             </a:r>
             <a:endParaRPr lang="en-US" altLang="en-US"/>
           </a:p>
@@ -1549,9 +1546,9 @@
             <a:pPr>
               <a:defRPr/>
             </a:pPr>
-            <a:fld id="{A1084C84-37A3-8540-84D6-743EAA879CC8}" type="datetime1">
+            <a:fld id="{723ACD62-C88A-4AF8-B629-A1A4E47A638E}" type="datetime1">
               <a:rPr lang="en-US" smtClean="0"/>
-              <a:t>3/21/16</a:t>
+              <a:t>3/23/16</a:t>
             </a:fld>
             <a:endParaRPr lang="en-US"/>
           </a:p>
@@ -1583,7 +1580,7 @@
             </a:pPr>
             <a:r>
               <a:rPr lang="en-US" altLang="en-US" smtClean="0"/>
-              <a:t>ECE Application Programming: Lecture 20</a:t>
+              <a:t>ECE Application Programming: Lecture 21</a:t>
             </a:r>
             <a:endParaRPr lang="en-US" altLang="en-US"/>
           </a:p>
@@ -1763,9 +1760,9 @@
             <a:pPr>
               <a:defRPr/>
             </a:pPr>
-            <a:fld id="{793206BF-7217-B64F-A487-D8048CBF00FE}" type="datetime1">
+            <a:fld id="{543623E9-A436-4F96-9A46-DDC8ECA7B254}" type="datetime1">
               <a:rPr lang="en-US" smtClean="0"/>
-              <a:t>3/21/16</a:t>
+              <a:t>3/23/16</a:t>
             </a:fld>
             <a:endParaRPr lang="en-US"/>
           </a:p>
@@ -1797,7 +1794,7 @@
             </a:pPr>
             <a:r>
               <a:rPr lang="en-US" altLang="en-US" smtClean="0"/>
-              <a:t>ECE Application Programming: Lecture 20</a:t>
+              <a:t>ECE Application Programming: Lecture 21</a:t>
             </a:r>
             <a:endParaRPr lang="en-US" altLang="en-US"/>
           </a:p>
@@ -2034,9 +2031,9 @@
             <a:pPr>
               <a:defRPr/>
             </a:pPr>
-            <a:fld id="{53322E10-62CE-CD45-8312-D030BB456A2A}" type="datetime1">
+            <a:fld id="{C1D7FF23-0E63-4F32-B509-D678C8EC6296}" type="datetime1">
               <a:rPr lang="en-US" smtClean="0"/>
-              <a:t>3/21/16</a:t>
+              <a:t>3/23/16</a:t>
             </a:fld>
             <a:endParaRPr lang="en-US"/>
           </a:p>
@@ -2068,7 +2065,7 @@
             </a:pPr>
             <a:r>
               <a:rPr lang="en-US" altLang="en-US" smtClean="0"/>
-              <a:t>ECE Application Programming: Lecture 20</a:t>
+              <a:t>ECE Application Programming: Lecture 21</a:t>
             </a:r>
             <a:endParaRPr lang="en-US" altLang="en-US"/>
           </a:p>
@@ -2305,9 +2302,9 @@
             <a:pPr>
               <a:defRPr/>
             </a:pPr>
-            <a:fld id="{97355D11-CCF0-8347-8ED0-7223D815DBC4}" type="datetime1">
+            <a:fld id="{E216D5A3-1B21-4133-8E7A-26198D0195F1}" type="datetime1">
               <a:rPr lang="en-US" smtClean="0"/>
-              <a:t>3/21/16</a:t>
+              <a:t>3/23/16</a:t>
             </a:fld>
             <a:endParaRPr lang="en-US"/>
           </a:p>
@@ -2339,7 +2336,7 @@
             </a:pPr>
             <a:r>
               <a:rPr lang="en-US" altLang="en-US" smtClean="0"/>
-              <a:t>ECE Application Programming: Lecture 20</a:t>
+              <a:t>ECE Application Programming: Lecture 21</a:t>
             </a:r>
             <a:endParaRPr lang="en-US" altLang="en-US"/>
           </a:p>
@@ -2509,9 +2506,9 @@
             <a:pPr>
               <a:defRPr/>
             </a:pPr>
-            <a:fld id="{7DA6ADA0-9FDD-4F40-8DA1-F006758718BD}" type="datetime1">
+            <a:fld id="{E7CD4B20-36E6-4A8D-B35A-99C89F259A95}" type="datetime1">
               <a:rPr lang="en-US" smtClean="0"/>
-              <a:t>3/21/16</a:t>
+              <a:t>3/23/16</a:t>
             </a:fld>
             <a:endParaRPr lang="en-US"/>
           </a:p>
@@ -2543,7 +2540,7 @@
             </a:pPr>
             <a:r>
               <a:rPr lang="en-US" altLang="en-US" smtClean="0"/>
-              <a:t>ECE Application Programming: Lecture 20</a:t>
+              <a:t>ECE Application Programming: Lecture 21</a:t>
             </a:r>
             <a:endParaRPr lang="en-US" altLang="en-US"/>
           </a:p>
@@ -2735,9 +2732,9 @@
             <a:pPr>
               <a:defRPr/>
             </a:pPr>
-            <a:fld id="{0B4B1CA3-CBBC-7D4A-920E-3D77F61C1F8D}" type="datetime1">
+            <a:fld id="{06C5E432-D849-4BD5-BCBD-924045E81129}" type="datetime1">
               <a:rPr lang="en-US" smtClean="0"/>
-              <a:t>3/21/16</a:t>
+              <a:t>3/23/16</a:t>
             </a:fld>
             <a:endParaRPr lang="en-US"/>
           </a:p>
@@ -2769,7 +2766,7 @@
             </a:pPr>
             <a:r>
               <a:rPr lang="en-US" altLang="en-US" smtClean="0"/>
-              <a:t>ECE Application Programming: Lecture 20</a:t>
+              <a:t>ECE Application Programming: Lecture 21</a:t>
             </a:r>
             <a:endParaRPr lang="en-US" altLang="en-US"/>
           </a:p>
@@ -3057,9 +3054,9 @@
             <a:pPr>
               <a:defRPr/>
             </a:pPr>
-            <a:fld id="{027C54DC-1743-5F45-8285-20D5C2CF21A5}" type="datetime1">
+            <a:fld id="{72DA82C4-22AC-4D9E-A05F-2A80933D1F73}" type="datetime1">
               <a:rPr lang="en-US" smtClean="0"/>
-              <a:t>3/21/16</a:t>
+              <a:t>3/23/16</a:t>
             </a:fld>
             <a:endParaRPr lang="en-US"/>
           </a:p>
@@ -3091,7 +3088,7 @@
             </a:pPr>
             <a:r>
               <a:rPr lang="en-US" altLang="en-US" smtClean="0"/>
-              <a:t>ECE Application Programming: Lecture 20</a:t>
+              <a:t>ECE Application Programming: Lecture 21</a:t>
             </a:r>
             <a:endParaRPr lang="en-US" altLang="en-US"/>
           </a:p>
@@ -3518,9 +3515,9 @@
             <a:pPr>
               <a:defRPr/>
             </a:pPr>
-            <a:fld id="{A970B562-0249-4B49-BBCC-73AE33B55ED8}" type="datetime1">
+            <a:fld id="{1DC5DC21-74CB-45E7-9F27-33777BDB757F}" type="datetime1">
               <a:rPr lang="en-US" smtClean="0"/>
-              <a:t>3/21/16</a:t>
+              <a:t>3/23/16</a:t>
             </a:fld>
             <a:endParaRPr lang="en-US"/>
           </a:p>
@@ -3552,7 +3549,7 @@
             </a:pPr>
             <a:r>
               <a:rPr lang="en-US" altLang="en-US" smtClean="0"/>
-              <a:t>ECE Application Programming: Lecture 20</a:t>
+              <a:t>ECE Application Programming: Lecture 21</a:t>
             </a:r>
             <a:endParaRPr lang="en-US" altLang="en-US"/>
           </a:p>
@@ -3670,9 +3667,9 @@
             <a:pPr>
               <a:defRPr/>
             </a:pPr>
-            <a:fld id="{393E8AE0-0F37-0142-9D5D-3603313A39DB}" type="datetime1">
+            <a:fld id="{BB992D00-8F4C-4606-9A3F-722FA6A52CB8}" type="datetime1">
               <a:rPr lang="en-US" smtClean="0"/>
-              <a:t>3/21/16</a:t>
+              <a:t>3/23/16</a:t>
             </a:fld>
             <a:endParaRPr lang="en-US"/>
           </a:p>
@@ -3704,7 +3701,7 @@
             </a:pPr>
             <a:r>
               <a:rPr lang="en-US" altLang="en-US" smtClean="0"/>
-              <a:t>ECE Application Programming: Lecture 20</a:t>
+              <a:t>ECE Application Programming: Lecture 21</a:t>
             </a:r>
             <a:endParaRPr lang="en-US" altLang="en-US"/>
           </a:p>
@@ -3799,9 +3796,9 @@
             <a:pPr>
               <a:defRPr/>
             </a:pPr>
-            <a:fld id="{A421F6EA-8258-EE4D-B6A4-CFCFAECBC05A}" type="datetime1">
+            <a:fld id="{B9CAAFD0-C49C-4AAC-AD55-05E053116788}" type="datetime1">
               <a:rPr lang="en-US" smtClean="0"/>
-              <a:t>3/21/16</a:t>
+              <a:t>3/23/16</a:t>
             </a:fld>
             <a:endParaRPr lang="en-US"/>
           </a:p>
@@ -3833,7 +3830,7 @@
             </a:pPr>
             <a:r>
               <a:rPr lang="en-US" altLang="en-US" smtClean="0"/>
-              <a:t>ECE Application Programming: Lecture 20</a:t>
+              <a:t>ECE Application Programming: Lecture 21</a:t>
             </a:r>
             <a:endParaRPr lang="en-US" altLang="en-US"/>
           </a:p>
@@ -4110,9 +4107,9 @@
             <a:pPr>
               <a:defRPr/>
             </a:pPr>
-            <a:fld id="{09000E16-2AA1-DD4E-872D-CE0957CFE768}" type="datetime1">
+            <a:fld id="{1E3228F9-00B1-466C-85D9-955DE02E5F71}" type="datetime1">
               <a:rPr lang="en-US" smtClean="0"/>
-              <a:t>3/21/16</a:t>
+              <a:t>3/23/16</a:t>
             </a:fld>
             <a:endParaRPr lang="en-US"/>
           </a:p>
@@ -4144,7 +4141,7 @@
             </a:pPr>
             <a:r>
               <a:rPr lang="en-US" altLang="en-US" smtClean="0"/>
-              <a:t>ECE Application Programming: Lecture 20</a:t>
+              <a:t>ECE Application Programming: Lecture 21</a:t>
             </a:r>
             <a:endParaRPr lang="en-US" altLang="en-US"/>
           </a:p>
@@ -4398,9 +4395,9 @@
             <a:pPr>
               <a:defRPr/>
             </a:pPr>
-            <a:fld id="{4F41A5E6-36DB-7E4B-97F0-30016169CEFD}" type="datetime1">
+            <a:fld id="{0E688317-17F2-405A-88F6-93009B307DD8}" type="datetime1">
               <a:rPr lang="en-US" smtClean="0"/>
-              <a:t>3/21/16</a:t>
+              <a:t>3/23/16</a:t>
             </a:fld>
             <a:endParaRPr lang="en-US"/>
           </a:p>
@@ -4432,7 +4429,7 @@
             </a:pPr>
             <a:r>
               <a:rPr lang="en-US" altLang="en-US" smtClean="0"/>
-              <a:t>ECE Application Programming: Lecture 20</a:t>
+              <a:t>ECE Application Programming: Lecture 21</a:t>
             </a:r>
             <a:endParaRPr lang="en-US" altLang="en-US"/>
           </a:p>
@@ -4705,9 +4702,9 @@
             <a:pPr>
               <a:defRPr/>
             </a:pPr>
-            <a:fld id="{D05FDBFB-4EBA-6346-8DFC-BEB2AF9ED8A0}" type="datetime1">
+            <a:fld id="{A3908C75-E063-43AA-B383-D851ABA58E95}" type="datetime1">
               <a:rPr lang="en-US" smtClean="0"/>
-              <a:t>3/21/16</a:t>
+              <a:t>3/23/16</a:t>
             </a:fld>
             <a:endParaRPr lang="en-US"/>
           </a:p>
@@ -4761,7 +4758,7 @@
             </a:pPr>
             <a:r>
               <a:rPr lang="en-US" altLang="en-US" smtClean="0"/>
-              <a:t>ECE Application Programming: Lecture 20</a:t>
+              <a:t>ECE Application Programming: Lecture 21</a:t>
             </a:r>
             <a:endParaRPr lang="en-US" altLang="en-US"/>
           </a:p>
@@ -5834,12 +5831,11 @@
           </a:lstStyle>
           <a:p>
             <a:pPr eaLnBrk="1" hangingPunct="1"/>
-            <a:fld id="{A0A16BCD-91D7-464A-990F-ED44A772C0BE}" type="datetime1">
-              <a:rPr lang="en-US" sz="1200">
+            <a:fld id="{54494E28-EF61-4182-ADDA-46445228CDB7}" type="datetime1">
+              <a:rPr lang="en-US" sz="1200" smtClean="0">
                 <a:latin typeface="Garamond" charset="0"/>
               </a:rPr>
-              <a:pPr eaLnBrk="1" hangingPunct="1"/>
-              <a:t>3/21/16</a:t>
+              <a:t>3/23/16</a:t>
             </a:fld>
             <a:endParaRPr lang="en-US" sz="1200">
               <a:latin typeface="Garamond" charset="0"/>
@@ -5866,9 +5862,10 @@
               <a:defRPr/>
             </a:pPr>
             <a:r>
-              <a:rPr lang="en-US" altLang="en-US"/>
-              <a:t>ECE Application Programming: Lecture 20</a:t>
-            </a:r>
+              <a:rPr lang="en-US" altLang="en-US" smtClean="0"/>
+              <a:t>ECE Application Programming: Lecture 21</a:t>
+            </a:r>
+            <a:endParaRPr lang="en-US" altLang="en-US"/>
           </a:p>
         </p:txBody>
       </p:sp>
@@ -6568,12 +6565,11 @@
           </a:lstStyle>
           <a:p>
             <a:pPr eaLnBrk="1" hangingPunct="1"/>
-            <a:fld id="{65E20D0A-1845-4948-9D5F-181C5B7B9A03}" type="datetime1">
-              <a:rPr lang="en-US" sz="1200">
+            <a:fld id="{00D4E90A-FD0B-4E3A-8BB5-C533B8F2F887}" type="datetime1">
+              <a:rPr lang="en-US" sz="1200" smtClean="0">
                 <a:latin typeface="Garamond" charset="0"/>
               </a:rPr>
-              <a:pPr eaLnBrk="1" hangingPunct="1"/>
-              <a:t>3/21/16</a:t>
+              <a:t>3/23/16</a:t>
             </a:fld>
             <a:endParaRPr lang="en-US" sz="1200">
               <a:latin typeface="Garamond" charset="0"/>
@@ -6600,9 +6596,10 @@
               <a:defRPr/>
             </a:pPr>
             <a:r>
-              <a:rPr lang="en-US" altLang="en-US"/>
-              <a:t>ECE Application Programming: Lecture 20</a:t>
-            </a:r>
+              <a:rPr lang="en-US" altLang="en-US" smtClean="0"/>
+              <a:t>ECE Application Programming: Lecture 21</a:t>
+            </a:r>
+            <a:endParaRPr lang="en-US" altLang="en-US"/>
           </a:p>
         </p:txBody>
       </p:sp>
@@ -7639,12 +7636,11 @@
           </a:lstStyle>
           <a:p>
             <a:pPr eaLnBrk="1" hangingPunct="1"/>
-            <a:fld id="{7C755BF1-A578-494D-B27A-D6C4A2E86AD7}" type="datetime1">
-              <a:rPr lang="en-US" sz="1200">
+            <a:fld id="{C3499999-D1EB-48E3-B2C8-BFB6AB81A9FF}" type="datetime1">
+              <a:rPr lang="en-US" sz="1200" smtClean="0">
                 <a:latin typeface="Garamond" charset="0"/>
               </a:rPr>
-              <a:pPr eaLnBrk="1" hangingPunct="1"/>
-              <a:t>3/21/16</a:t>
+              <a:t>3/23/16</a:t>
             </a:fld>
             <a:endParaRPr lang="en-US" sz="1200">
               <a:latin typeface="Garamond" charset="0"/>
@@ -7829,9 +7825,10 @@
               <a:defRPr/>
             </a:pPr>
             <a:r>
-              <a:rPr lang="en-US" altLang="en-US"/>
-              <a:t>ECE Application Programming: Lecture 20</a:t>
-            </a:r>
+              <a:rPr lang="en-US" altLang="en-US" smtClean="0"/>
+              <a:t>ECE Application Programming: Lecture 21</a:t>
+            </a:r>
+            <a:endParaRPr lang="en-US" altLang="en-US"/>
           </a:p>
         </p:txBody>
       </p:sp>
@@ -8287,12 +8284,11 @@
           </a:lstStyle>
           <a:p>
             <a:pPr eaLnBrk="1" hangingPunct="1"/>
-            <a:fld id="{F7DD127D-2857-4E47-866E-B007B9360B33}" type="datetime1">
-              <a:rPr lang="en-US" sz="1200">
+            <a:fld id="{039EA383-74C7-44F3-9386-C93DF1D75361}" type="datetime1">
+              <a:rPr lang="en-US" sz="1200" smtClean="0">
                 <a:latin typeface="Garamond" charset="0"/>
               </a:rPr>
-              <a:pPr eaLnBrk="1" hangingPunct="1"/>
-              <a:t>3/21/16</a:t>
+              <a:t>3/23/16</a:t>
             </a:fld>
             <a:endParaRPr lang="en-US" sz="1200">
               <a:latin typeface="Garamond" charset="0"/>
@@ -8477,9 +8473,10 @@
               <a:defRPr/>
             </a:pPr>
             <a:r>
-              <a:rPr lang="en-US" altLang="en-US"/>
-              <a:t>ECE Application Programming: Lecture 20</a:t>
-            </a:r>
+              <a:rPr lang="en-US" altLang="en-US" smtClean="0"/>
+              <a:t>ECE Application Programming: Lecture 21</a:t>
+            </a:r>
+            <a:endParaRPr lang="en-US" altLang="en-US"/>
           </a:p>
         </p:txBody>
       </p:sp>
@@ -8964,12 +8961,11 @@
           </a:lstStyle>
           <a:p>
             <a:pPr eaLnBrk="1" hangingPunct="1"/>
-            <a:fld id="{08239572-7A7B-CD4B-A47B-02BEF09CECFA}" type="datetime1">
-              <a:rPr lang="en-US" sz="1200">
+            <a:fld id="{0A5D4B3D-D56D-4C97-B47E-FAB80F4F1860}" type="datetime1">
+              <a:rPr lang="en-US" sz="1200" smtClean="0">
                 <a:latin typeface="Garamond" charset="0"/>
               </a:rPr>
-              <a:pPr eaLnBrk="1" hangingPunct="1"/>
-              <a:t>3/21/16</a:t>
+              <a:t>3/23/16</a:t>
             </a:fld>
             <a:endParaRPr lang="en-US" sz="1200">
               <a:latin typeface="Garamond" charset="0"/>
@@ -9154,9 +9150,10 @@
               <a:defRPr/>
             </a:pPr>
             <a:r>
-              <a:rPr lang="en-US" altLang="en-US"/>
-              <a:t>ECE Application Programming: Lecture 20</a:t>
-            </a:r>
+              <a:rPr lang="en-US" altLang="en-US" smtClean="0"/>
+              <a:t>ECE Application Programming: Lecture 21</a:t>
+            </a:r>
+            <a:endParaRPr lang="en-US" altLang="en-US"/>
           </a:p>
         </p:txBody>
       </p:sp>
@@ -19539,12 +19536,11 @@
           </a:lstStyle>
           <a:p>
             <a:pPr eaLnBrk="1" hangingPunct="1"/>
-            <a:fld id="{C1D1736E-B954-E146-BA7A-AD68BDFDB36F}" type="datetime1">
-              <a:rPr lang="en-US" sz="1200">
+            <a:fld id="{9CAA737F-B68E-4258-8BE2-96A3DFC4FC35}" type="datetime1">
+              <a:rPr lang="en-US" sz="1200" smtClean="0">
                 <a:latin typeface="Garamond" charset="0"/>
               </a:rPr>
-              <a:pPr eaLnBrk="1" hangingPunct="1"/>
-              <a:t>3/21/16</a:t>
+              <a:t>3/23/16</a:t>
             </a:fld>
             <a:endParaRPr lang="en-US" sz="1200">
               <a:latin typeface="Garamond" charset="0"/>
@@ -19729,9 +19725,10 @@
               <a:defRPr/>
             </a:pPr>
             <a:r>
-              <a:rPr lang="en-US" altLang="en-US"/>
-              <a:t>ECE Application Programming: Lecture 20</a:t>
-            </a:r>
+              <a:rPr lang="en-US" altLang="en-US" smtClean="0"/>
+              <a:t>ECE Application Programming: Lecture 21</a:t>
+            </a:r>
+            <a:endParaRPr lang="en-US" altLang="en-US"/>
           </a:p>
         </p:txBody>
       </p:sp>
@@ -20114,12 +20111,11 @@
           </a:lstStyle>
           <a:p>
             <a:pPr eaLnBrk="1" hangingPunct="1"/>
-            <a:fld id="{5F2FDB92-23D7-8243-AFE9-EF1A6671D29C}" type="datetime1">
-              <a:rPr lang="en-US" sz="1200">
+            <a:fld id="{2664B11C-0FEB-472A-98D7-56913C27EE2D}" type="datetime1">
+              <a:rPr lang="en-US" sz="1200" smtClean="0">
                 <a:latin typeface="Garamond" charset="0"/>
               </a:rPr>
-              <a:pPr eaLnBrk="1" hangingPunct="1"/>
-              <a:t>3/21/16</a:t>
+              <a:t>3/23/16</a:t>
             </a:fld>
             <a:endParaRPr lang="en-US" sz="1200">
               <a:latin typeface="Garamond" charset="0"/>
@@ -20146,9 +20142,10 @@
               <a:defRPr/>
             </a:pPr>
             <a:r>
-              <a:rPr lang="en-US" altLang="en-US"/>
-              <a:t>ECE Application Programming: Lecture 20</a:t>
-            </a:r>
+              <a:rPr lang="en-US" altLang="en-US" smtClean="0"/>
+              <a:t>ECE Application Programming: Lecture 21</a:t>
+            </a:r>
+            <a:endParaRPr lang="en-US" altLang="en-US"/>
           </a:p>
         </p:txBody>
       </p:sp>
@@ -20742,12 +20739,11 @@
           </a:lstStyle>
           <a:p>
             <a:pPr eaLnBrk="1" hangingPunct="1"/>
-            <a:fld id="{7229CBC4-9D00-C445-A175-2C9C2701FF2E}" type="datetime1">
-              <a:rPr lang="en-US" sz="1200">
+            <a:fld id="{A23CEE8C-E18F-4A25-8CF6-E4402B1A815B}" type="datetime1">
+              <a:rPr lang="en-US" sz="1200" smtClean="0">
                 <a:latin typeface="Garamond" charset="0"/>
               </a:rPr>
-              <a:pPr eaLnBrk="1" hangingPunct="1"/>
-              <a:t>3/21/16</a:t>
+              <a:t>3/23/16</a:t>
             </a:fld>
             <a:endParaRPr lang="en-US" sz="1200">
               <a:latin typeface="Garamond" charset="0"/>
@@ -20774,9 +20770,10 @@
               <a:defRPr/>
             </a:pPr>
             <a:r>
-              <a:rPr lang="en-US" altLang="en-US"/>
-              <a:t>ECE Application Programming: Lecture 20</a:t>
-            </a:r>
+              <a:rPr lang="en-US" altLang="en-US" smtClean="0"/>
+              <a:t>ECE Application Programming: Lecture 21</a:t>
+            </a:r>
+            <a:endParaRPr lang="en-US" altLang="en-US"/>
           </a:p>
         </p:txBody>
       </p:sp>
@@ -20977,554 +20974,6 @@
       </p:grpSpPr>
       <p:sp>
         <p:nvSpPr>
-          <p:cNvPr id="39937" name="Title 1"/>
-          <p:cNvSpPr>
-            <a:spLocks noGrp="1"/>
-          </p:cNvSpPr>
-          <p:nvPr>
-            <p:ph type="title"/>
-          </p:nvPr>
-        </p:nvSpPr>
-        <p:spPr/>
-        <p:txBody>
-          <a:bodyPr/>
-          <a:lstStyle/>
-          <a:p>
-            <a:r>
-              <a:rPr lang="en-US">
-                <a:latin typeface="Garamond" charset="0"/>
-              </a:rPr>
-              <a:t>Example: 2-D arrays and functions</a:t>
-            </a:r>
-          </a:p>
-        </p:txBody>
-      </p:sp>
-      <p:sp>
-        <p:nvSpPr>
-          <p:cNvPr id="3" name="Content Placeholder 2"/>
-          <p:cNvSpPr>
-            <a:spLocks noGrp="1"/>
-          </p:cNvSpPr>
-          <p:nvPr>
-            <p:ph idx="1"/>
-          </p:nvPr>
-        </p:nvSpPr>
-        <p:spPr/>
-        <p:txBody>
-          <a:bodyPr>
-            <a:normAutofit fontScale="85000" lnSpcReduction="10000"/>
-          </a:bodyPr>
-          <a:lstStyle/>
-          <a:p>
-            <a:pPr>
-              <a:buFont typeface="Wingdings" pitchFamily="2" charset="2"/>
-              <a:buChar char="n"/>
-              <a:defRPr/>
-            </a:pPr>
-            <a:r>
-              <a:rPr lang="en-US" dirty="0" smtClean="0">
-                <a:ea typeface="+mn-ea"/>
-                <a:cs typeface="+mn-cs"/>
-              </a:rPr>
-              <a:t>Say we have a program that stores student exam scores in a 2-D array:</a:t>
-            </a:r>
-          </a:p>
-          <a:p>
-            <a:pPr lvl="1">
-              <a:buFont typeface="Wingdings" pitchFamily="2" charset="2"/>
-              <a:buChar char="q"/>
-              <a:defRPr/>
-            </a:pPr>
-            <a:r>
-              <a:rPr lang="en-US" dirty="0" smtClean="0"/>
-              <a:t>Each row represents an individual student</a:t>
-            </a:r>
-          </a:p>
-          <a:p>
-            <a:pPr lvl="1">
-              <a:buFont typeface="Wingdings" pitchFamily="2" charset="2"/>
-              <a:buChar char="q"/>
-              <a:defRPr/>
-            </a:pPr>
-            <a:r>
-              <a:rPr lang="en-US" dirty="0" smtClean="0"/>
-              <a:t>Each column represents one of the 3 exams</a:t>
-            </a:r>
-          </a:p>
-          <a:p>
-            <a:pPr>
-              <a:buFont typeface="Wingdings" pitchFamily="2" charset="2"/>
-              <a:buChar char="n"/>
-              <a:defRPr/>
-            </a:pPr>
-            <a:r>
-              <a:rPr lang="en-US" dirty="0" smtClean="0">
-                <a:ea typeface="+mn-ea"/>
-                <a:cs typeface="+mn-cs"/>
-              </a:rPr>
-              <a:t>Write functions to:</a:t>
-            </a:r>
-          </a:p>
-          <a:p>
-            <a:pPr lvl="1">
-              <a:buFont typeface="Wingdings" pitchFamily="2" charset="2"/>
-              <a:buChar char="q"/>
-              <a:defRPr/>
-            </a:pPr>
-            <a:r>
-              <a:rPr lang="en-US" dirty="0" smtClean="0"/>
-              <a:t>Calculate the exam average for each student and store it in a 1-D array that is accessible in the main program</a:t>
-            </a:r>
-          </a:p>
-          <a:p>
-            <a:pPr lvl="2">
-              <a:buFont typeface="Wingdings" pitchFamily="2" charset="2"/>
-              <a:buChar char="n"/>
-              <a:defRPr/>
-            </a:pPr>
-            <a:r>
-              <a:rPr lang="en-US" dirty="0" smtClean="0"/>
-              <a:t>Assume all exams have equal weight</a:t>
-            </a:r>
-          </a:p>
-          <a:p>
-            <a:pPr lvl="1">
-              <a:buFont typeface="Wingdings" pitchFamily="2" charset="2"/>
-              <a:buChar char="q"/>
-              <a:defRPr/>
-            </a:pPr>
-            <a:r>
-              <a:rPr lang="en-US" dirty="0" smtClean="0"/>
-              <a:t>Calculate the average for each exam and store it in a 1-D array that is accessible in the main program</a:t>
-            </a:r>
-          </a:p>
-          <a:p>
-            <a:pPr lvl="1">
-              <a:buFont typeface="Wingdings" pitchFamily="2" charset="2"/>
-              <a:buChar char="q"/>
-              <a:defRPr/>
-            </a:pPr>
-            <a:r>
-              <a:rPr lang="en-US" dirty="0" smtClean="0"/>
-              <a:t>Each function takes the same arguments:</a:t>
-            </a:r>
-          </a:p>
-          <a:p>
-            <a:pPr lvl="2">
-              <a:buFont typeface="Wingdings" pitchFamily="2" charset="2"/>
-              <a:buChar char="n"/>
-              <a:defRPr/>
-            </a:pPr>
-            <a:r>
-              <a:rPr lang="en-US" dirty="0" smtClean="0"/>
-              <a:t>The 2-D array</a:t>
-            </a:r>
-          </a:p>
-          <a:p>
-            <a:pPr lvl="2">
-              <a:buFont typeface="Wingdings" pitchFamily="2" charset="2"/>
-              <a:buChar char="n"/>
-              <a:defRPr/>
-            </a:pPr>
-            <a:r>
-              <a:rPr lang="en-US" dirty="0" smtClean="0"/>
-              <a:t>The # of students in the class</a:t>
-            </a:r>
-          </a:p>
-          <a:p>
-            <a:pPr lvl="2">
-              <a:buFont typeface="Wingdings" pitchFamily="2" charset="2"/>
-              <a:buChar char="n"/>
-              <a:defRPr/>
-            </a:pPr>
-            <a:r>
-              <a:rPr lang="en-US" dirty="0" smtClean="0"/>
-              <a:t>The 1-D array that will be used to hold the averages</a:t>
-            </a:r>
-            <a:endParaRPr lang="en-US" dirty="0"/>
-          </a:p>
-        </p:txBody>
-      </p:sp>
-      <p:sp>
-        <p:nvSpPr>
-          <p:cNvPr id="39939" name="Date Placeholder 3"/>
-          <p:cNvSpPr>
-            <a:spLocks noGrp="1"/>
-          </p:cNvSpPr>
-          <p:nvPr>
-            <p:ph type="dt" sz="quarter" idx="10"/>
-          </p:nvPr>
-        </p:nvSpPr>
-        <p:spPr>
-          <a:noFill/>
-          <a:ln/>
-          <a:extLst>
-            <a:ext uri="{909E8E84-426E-40dd-AFC4-6F175D3DCCD1}">
-              <a14:hiddenFill xmlns:a14="http://schemas.microsoft.com/office/drawing/2010/main">
-                <a:solidFill>
-                  <a:srgbClr val="FFFFFF"/>
-                </a:solidFill>
-              </a14:hiddenFill>
-            </a:ext>
-            <a:ext uri="{91240B29-F687-4f45-9708-019B960494DF}">
-              <a14:hiddenLine xmlns:a14="http://schemas.microsoft.com/office/drawing/2010/main" w="9525">
-                <a:solidFill>
-                  <a:srgbClr val="000000"/>
-                </a:solidFill>
-                <a:miter lim="800000"/>
-                <a:headEnd/>
-                <a:tailEnd/>
-              </a14:hiddenLine>
-            </a:ext>
-          </a:extLst>
-        </p:spPr>
-        <p:txBody>
-          <a:bodyPr/>
-          <a:lstStyle>
-            <a:lvl1pPr eaLnBrk="0" hangingPunct="0">
-              <a:defRPr sz="2400">
-                <a:solidFill>
-                  <a:schemeClr val="tx1"/>
-                </a:solidFill>
-                <a:latin typeface="Arial" charset="0"/>
-                <a:ea typeface="ＭＳ Ｐゴシック" charset="0"/>
-                <a:cs typeface="ＭＳ Ｐゴシック" charset="0"/>
-              </a:defRPr>
-            </a:lvl1pPr>
-            <a:lvl2pPr marL="742950" indent="-285750" eaLnBrk="0" hangingPunct="0">
-              <a:defRPr sz="2400">
-                <a:solidFill>
-                  <a:schemeClr val="tx1"/>
-                </a:solidFill>
-                <a:latin typeface="Arial" charset="0"/>
-                <a:ea typeface="ＭＳ Ｐゴシック" charset="0"/>
-              </a:defRPr>
-            </a:lvl2pPr>
-            <a:lvl3pPr marL="1143000" indent="-228600" eaLnBrk="0" hangingPunct="0">
-              <a:defRPr sz="2400">
-                <a:solidFill>
-                  <a:schemeClr val="tx1"/>
-                </a:solidFill>
-                <a:latin typeface="Arial" charset="0"/>
-                <a:ea typeface="ＭＳ Ｐゴシック" charset="0"/>
-              </a:defRPr>
-            </a:lvl3pPr>
-            <a:lvl4pPr marL="1600200" indent="-228600" eaLnBrk="0" hangingPunct="0">
-              <a:defRPr sz="2400">
-                <a:solidFill>
-                  <a:schemeClr val="tx1"/>
-                </a:solidFill>
-                <a:latin typeface="Arial" charset="0"/>
-                <a:ea typeface="ＭＳ Ｐゴシック" charset="0"/>
-              </a:defRPr>
-            </a:lvl4pPr>
-            <a:lvl5pPr marL="2057400" indent="-228600" eaLnBrk="0" hangingPunct="0">
-              <a:defRPr sz="2400">
-                <a:solidFill>
-                  <a:schemeClr val="tx1"/>
-                </a:solidFill>
-                <a:latin typeface="Arial" charset="0"/>
-                <a:ea typeface="ＭＳ Ｐゴシック" charset="0"/>
-              </a:defRPr>
-            </a:lvl5pPr>
-            <a:lvl6pPr marL="2514600" indent="-228600" eaLnBrk="0" fontAlgn="base" hangingPunct="0">
-              <a:spcBef>
-                <a:spcPct val="0"/>
-              </a:spcBef>
-              <a:spcAft>
-                <a:spcPct val="0"/>
-              </a:spcAft>
-              <a:defRPr sz="2400">
-                <a:solidFill>
-                  <a:schemeClr val="tx1"/>
-                </a:solidFill>
-                <a:latin typeface="Arial" charset="0"/>
-                <a:ea typeface="ＭＳ Ｐゴシック" charset="0"/>
-              </a:defRPr>
-            </a:lvl6pPr>
-            <a:lvl7pPr marL="2971800" indent="-228600" eaLnBrk="0" fontAlgn="base" hangingPunct="0">
-              <a:spcBef>
-                <a:spcPct val="0"/>
-              </a:spcBef>
-              <a:spcAft>
-                <a:spcPct val="0"/>
-              </a:spcAft>
-              <a:defRPr sz="2400">
-                <a:solidFill>
-                  <a:schemeClr val="tx1"/>
-                </a:solidFill>
-                <a:latin typeface="Arial" charset="0"/>
-                <a:ea typeface="ＭＳ Ｐゴシック" charset="0"/>
-              </a:defRPr>
-            </a:lvl7pPr>
-            <a:lvl8pPr marL="3429000" indent="-228600" eaLnBrk="0" fontAlgn="base" hangingPunct="0">
-              <a:spcBef>
-                <a:spcPct val="0"/>
-              </a:spcBef>
-              <a:spcAft>
-                <a:spcPct val="0"/>
-              </a:spcAft>
-              <a:defRPr sz="2400">
-                <a:solidFill>
-                  <a:schemeClr val="tx1"/>
-                </a:solidFill>
-                <a:latin typeface="Arial" charset="0"/>
-                <a:ea typeface="ＭＳ Ｐゴシック" charset="0"/>
-              </a:defRPr>
-            </a:lvl8pPr>
-            <a:lvl9pPr marL="3886200" indent="-228600" eaLnBrk="0" fontAlgn="base" hangingPunct="0">
-              <a:spcBef>
-                <a:spcPct val="0"/>
-              </a:spcBef>
-              <a:spcAft>
-                <a:spcPct val="0"/>
-              </a:spcAft>
-              <a:defRPr sz="2400">
-                <a:solidFill>
-                  <a:schemeClr val="tx1"/>
-                </a:solidFill>
-                <a:latin typeface="Arial" charset="0"/>
-                <a:ea typeface="ＭＳ Ｐゴシック" charset="0"/>
-              </a:defRPr>
-            </a:lvl9pPr>
-          </a:lstStyle>
-          <a:p>
-            <a:pPr eaLnBrk="1" hangingPunct="1"/>
-            <a:fld id="{FB81F5F2-8433-8148-93C9-F4FE9C3E0531}" type="datetime1">
-              <a:rPr lang="en-US" sz="1200">
-                <a:latin typeface="Garamond" charset="0"/>
-              </a:rPr>
-              <a:pPr eaLnBrk="1" hangingPunct="1"/>
-              <a:t>3/21/16</a:t>
-            </a:fld>
-            <a:endParaRPr lang="en-US" sz="1200">
-              <a:latin typeface="Garamond" charset="0"/>
-            </a:endParaRPr>
-          </a:p>
-        </p:txBody>
-      </p:sp>
-      <p:sp>
-        <p:nvSpPr>
-          <p:cNvPr id="5" name="Footer Placeholder 4"/>
-          <p:cNvSpPr>
-            <a:spLocks noGrp="1"/>
-          </p:cNvSpPr>
-          <p:nvPr>
-            <p:ph type="ftr" sz="quarter" idx="11"/>
-          </p:nvPr>
-        </p:nvSpPr>
-        <p:spPr/>
-        <p:txBody>
-          <a:bodyPr/>
-          <a:lstStyle/>
-          <a:p>
-            <a:pPr>
-              <a:defRPr/>
-            </a:pPr>
-            <a:r>
-              <a:rPr lang="en-US" altLang="en-US"/>
-              <a:t>ECE Application Programming: Lecture 20</a:t>
-            </a:r>
-          </a:p>
-        </p:txBody>
-      </p:sp>
-      <p:sp>
-        <p:nvSpPr>
-          <p:cNvPr id="39941" name="Slide Number Placeholder 5"/>
-          <p:cNvSpPr>
-            <a:spLocks noGrp="1"/>
-          </p:cNvSpPr>
-          <p:nvPr>
-            <p:ph type="sldNum" sz="quarter" idx="12"/>
-          </p:nvPr>
-        </p:nvSpPr>
-        <p:spPr>
-          <a:noFill/>
-          <a:ln/>
-          <a:extLst>
-            <a:ext uri="{909E8E84-426E-40dd-AFC4-6F175D3DCCD1}">
-              <a14:hiddenFill xmlns:a14="http://schemas.microsoft.com/office/drawing/2010/main">
-                <a:solidFill>
-                  <a:srgbClr val="FFFFFF"/>
-                </a:solidFill>
-              </a14:hiddenFill>
-            </a:ext>
-            <a:ext uri="{91240B29-F687-4f45-9708-019B960494DF}">
-              <a14:hiddenLine xmlns:a14="http://schemas.microsoft.com/office/drawing/2010/main" w="9525">
-                <a:solidFill>
-                  <a:srgbClr val="000000"/>
-                </a:solidFill>
-                <a:miter lim="800000"/>
-                <a:headEnd/>
-                <a:tailEnd/>
-              </a14:hiddenLine>
-            </a:ext>
-          </a:extLst>
-        </p:spPr>
-        <p:txBody>
-          <a:bodyPr/>
-          <a:lstStyle>
-            <a:lvl1pPr eaLnBrk="0" hangingPunct="0">
-              <a:defRPr sz="2400">
-                <a:solidFill>
-                  <a:schemeClr val="tx1"/>
-                </a:solidFill>
-                <a:latin typeface="Arial" charset="0"/>
-                <a:ea typeface="ＭＳ Ｐゴシック" charset="0"/>
-                <a:cs typeface="ＭＳ Ｐゴシック" charset="0"/>
-              </a:defRPr>
-            </a:lvl1pPr>
-            <a:lvl2pPr marL="742950" indent="-285750" eaLnBrk="0" hangingPunct="0">
-              <a:defRPr sz="2400">
-                <a:solidFill>
-                  <a:schemeClr val="tx1"/>
-                </a:solidFill>
-                <a:latin typeface="Arial" charset="0"/>
-                <a:ea typeface="ＭＳ Ｐゴシック" charset="0"/>
-              </a:defRPr>
-            </a:lvl2pPr>
-            <a:lvl3pPr marL="1143000" indent="-228600" eaLnBrk="0" hangingPunct="0">
-              <a:defRPr sz="2400">
-                <a:solidFill>
-                  <a:schemeClr val="tx1"/>
-                </a:solidFill>
-                <a:latin typeface="Arial" charset="0"/>
-                <a:ea typeface="ＭＳ Ｐゴシック" charset="0"/>
-              </a:defRPr>
-            </a:lvl3pPr>
-            <a:lvl4pPr marL="1600200" indent="-228600" eaLnBrk="0" hangingPunct="0">
-              <a:defRPr sz="2400">
-                <a:solidFill>
-                  <a:schemeClr val="tx1"/>
-                </a:solidFill>
-                <a:latin typeface="Arial" charset="0"/>
-                <a:ea typeface="ＭＳ Ｐゴシック" charset="0"/>
-              </a:defRPr>
-            </a:lvl4pPr>
-            <a:lvl5pPr marL="2057400" indent="-228600" eaLnBrk="0" hangingPunct="0">
-              <a:defRPr sz="2400">
-                <a:solidFill>
-                  <a:schemeClr val="tx1"/>
-                </a:solidFill>
-                <a:latin typeface="Arial" charset="0"/>
-                <a:ea typeface="ＭＳ Ｐゴシック" charset="0"/>
-              </a:defRPr>
-            </a:lvl5pPr>
-            <a:lvl6pPr marL="2514600" indent="-228600" eaLnBrk="0" fontAlgn="base" hangingPunct="0">
-              <a:spcBef>
-                <a:spcPct val="0"/>
-              </a:spcBef>
-              <a:spcAft>
-                <a:spcPct val="0"/>
-              </a:spcAft>
-              <a:defRPr sz="2400">
-                <a:solidFill>
-                  <a:schemeClr val="tx1"/>
-                </a:solidFill>
-                <a:latin typeface="Arial" charset="0"/>
-                <a:ea typeface="ＭＳ Ｐゴシック" charset="0"/>
-              </a:defRPr>
-            </a:lvl6pPr>
-            <a:lvl7pPr marL="2971800" indent="-228600" eaLnBrk="0" fontAlgn="base" hangingPunct="0">
-              <a:spcBef>
-                <a:spcPct val="0"/>
-              </a:spcBef>
-              <a:spcAft>
-                <a:spcPct val="0"/>
-              </a:spcAft>
-              <a:defRPr sz="2400">
-                <a:solidFill>
-                  <a:schemeClr val="tx1"/>
-                </a:solidFill>
-                <a:latin typeface="Arial" charset="0"/>
-                <a:ea typeface="ＭＳ Ｐゴシック" charset="0"/>
-              </a:defRPr>
-            </a:lvl7pPr>
-            <a:lvl8pPr marL="3429000" indent="-228600" eaLnBrk="0" fontAlgn="base" hangingPunct="0">
-              <a:spcBef>
-                <a:spcPct val="0"/>
-              </a:spcBef>
-              <a:spcAft>
-                <a:spcPct val="0"/>
-              </a:spcAft>
-              <a:defRPr sz="2400">
-                <a:solidFill>
-                  <a:schemeClr val="tx1"/>
-                </a:solidFill>
-                <a:latin typeface="Arial" charset="0"/>
-                <a:ea typeface="ＭＳ Ｐゴシック" charset="0"/>
-              </a:defRPr>
-            </a:lvl8pPr>
-            <a:lvl9pPr marL="3886200" indent="-228600" eaLnBrk="0" fontAlgn="base" hangingPunct="0">
-              <a:spcBef>
-                <a:spcPct val="0"/>
-              </a:spcBef>
-              <a:spcAft>
-                <a:spcPct val="0"/>
-              </a:spcAft>
-              <a:defRPr sz="2400">
-                <a:solidFill>
-                  <a:schemeClr val="tx1"/>
-                </a:solidFill>
-                <a:latin typeface="Arial" charset="0"/>
-                <a:ea typeface="ＭＳ Ｐゴシック" charset="0"/>
-              </a:defRPr>
-            </a:lvl9pPr>
-          </a:lstStyle>
-          <a:p>
-            <a:pPr eaLnBrk="1" hangingPunct="1"/>
-            <a:fld id="{28FBF312-9E36-4D44-B766-2F60ED7BEE9C}" type="slidenum">
-              <a:rPr lang="en-US" sz="1200">
-                <a:latin typeface="Garamond" charset="0"/>
-              </a:rPr>
-              <a:pPr eaLnBrk="1" hangingPunct="1"/>
-              <a:t>18</a:t>
-            </a:fld>
-            <a:endParaRPr lang="en-US" sz="1200">
-              <a:latin typeface="Garamond" charset="0"/>
-            </a:endParaRPr>
-          </a:p>
-        </p:txBody>
-      </p:sp>
-    </p:spTree>
-    <p:extLst>
-      <p:ext uri="{BB962C8B-B14F-4D97-AF65-F5344CB8AC3E}">
-        <p14:creationId xmlns:p14="http://schemas.microsoft.com/office/powerpoint/2010/main" val="1651795806"/>
-      </p:ext>
-    </p:extLst>
-  </p:cSld>
-  <p:clrMapOvr>
-    <a:masterClrMapping/>
-  </p:clrMapOvr>
-  <p:timing>
-    <p:tnLst>
-      <p:par>
-        <p:cTn xmlns:p14="http://schemas.microsoft.com/office/powerpoint/2010/main" id="1" dur="indefinite" restart="never" nodeType="tmRoot"/>
-      </p:par>
-    </p:tnLst>
-  </p:timing>
-</p:sld>
-</file>
-
-<file path=ppt/slides/slide19.xml><?xml version="1.0" encoding="utf-8"?>
-<p:sld xmlns:a="http://schemas.openxmlformats.org/drawingml/2006/main" xmlns:r="http://schemas.openxmlformats.org/officeDocument/2006/relationships" xmlns:p="http://schemas.openxmlformats.org/presentationml/2006/main">
-  <p:cSld>
-    <p:spTree>
-      <p:nvGrpSpPr>
-        <p:cNvPr id="1" name=""/>
-        <p:cNvGrpSpPr/>
-        <p:nvPr/>
-      </p:nvGrpSpPr>
-      <p:grpSpPr>
-        <a:xfrm>
-          <a:off x="0" y="0"/>
-          <a:ext cx="0" cy="0"/>
-          <a:chOff x="0" y="0"/>
-          <a:chExt cx="0" cy="0"/>
-        </a:xfrm>
-      </p:grpSpPr>
-      <p:sp>
-        <p:nvSpPr>
           <p:cNvPr id="40961" name="Title 1"/>
           <p:cNvSpPr>
             <a:spLocks noGrp="1"/>
@@ -21542,7 +20991,7 @@
               <a:rPr lang="en-US">
                 <a:latin typeface="Garamond" charset="0"/>
               </a:rPr>
-              <a:t>Example solution</a:t>
+              <a:t>Final notes</a:t>
             </a:r>
           </a:p>
         </p:txBody>
@@ -21562,333 +21011,122 @@
           <a:bodyPr/>
           <a:lstStyle/>
           <a:p>
-            <a:pPr>
-              <a:lnSpc>
-                <a:spcPct val="80000"/>
-              </a:lnSpc>
-              <a:buFont typeface="Wingdings" charset="0"/>
-              <a:buNone/>
-              <a:tabLst>
-                <a:tab pos="633413" algn="l"/>
-                <a:tab pos="973138" algn="l"/>
-                <a:tab pos="1254125" algn="l"/>
-              </a:tabLst>
-            </a:pPr>
-            <a:r>
-              <a:rPr lang="en-US" sz="1900">
-                <a:latin typeface="Courier New" charset="0"/>
-                <a:cs typeface="Courier New" charset="0"/>
-              </a:rPr>
-              <a:t>void studentAvg(double grades[][3], int nStudents,</a:t>
-            </a:r>
-          </a:p>
-          <a:p>
-            <a:pPr>
-              <a:lnSpc>
-                <a:spcPct val="80000"/>
-              </a:lnSpc>
-              <a:buFont typeface="Wingdings" charset="0"/>
-              <a:buNone/>
-              <a:tabLst>
-                <a:tab pos="633413" algn="l"/>
-                <a:tab pos="973138" algn="l"/>
-                <a:tab pos="1254125" algn="l"/>
-              </a:tabLst>
-            </a:pPr>
-            <a:r>
-              <a:rPr lang="en-US" sz="1900">
-                <a:latin typeface="Courier New" charset="0"/>
-                <a:cs typeface="Courier New" charset="0"/>
-              </a:rPr>
-              <a:t>					double averages[]) {</a:t>
-            </a:r>
-          </a:p>
-          <a:p>
-            <a:pPr>
-              <a:lnSpc>
-                <a:spcPct val="80000"/>
-              </a:lnSpc>
-              <a:buFont typeface="Wingdings" charset="0"/>
-              <a:buNone/>
-              <a:tabLst>
-                <a:tab pos="633413" algn="l"/>
-                <a:tab pos="973138" algn="l"/>
-                <a:tab pos="1254125" algn="l"/>
-              </a:tabLst>
-            </a:pPr>
-            <a:r>
-              <a:rPr lang="en-US" sz="1900">
-                <a:latin typeface="Courier New" charset="0"/>
-                <a:cs typeface="Courier New" charset="0"/>
-              </a:rPr>
-              <a:t>		int i, j;	// Row/column #</a:t>
-            </a:r>
-          </a:p>
-          <a:p>
-            <a:pPr>
-              <a:lnSpc>
-                <a:spcPct val="80000"/>
-              </a:lnSpc>
-              <a:buFont typeface="Wingdings" charset="0"/>
-              <a:buNone/>
-              <a:tabLst>
-                <a:tab pos="633413" algn="l"/>
-                <a:tab pos="973138" algn="l"/>
-                <a:tab pos="1254125" algn="l"/>
-              </a:tabLst>
-            </a:pPr>
-            <a:r>
-              <a:rPr lang="en-US" sz="1900">
-                <a:latin typeface="Courier New" charset="0"/>
-                <a:cs typeface="Courier New" charset="0"/>
-              </a:rPr>
-              <a:t>		</a:t>
-            </a:r>
-          </a:p>
-          <a:p>
-            <a:pPr>
-              <a:lnSpc>
-                <a:spcPct val="80000"/>
-              </a:lnSpc>
-              <a:buFont typeface="Wingdings" charset="0"/>
-              <a:buNone/>
-              <a:tabLst>
-                <a:tab pos="633413" algn="l"/>
-                <a:tab pos="973138" algn="l"/>
-                <a:tab pos="1254125" algn="l"/>
-              </a:tabLst>
-            </a:pPr>
-            <a:r>
-              <a:rPr lang="en-US" sz="1900">
-                <a:latin typeface="Courier New" charset="0"/>
-                <a:cs typeface="Courier New" charset="0"/>
-              </a:rPr>
-              <a:t>		/* Go through each row, sum</a:t>
-            </a:r>
-          </a:p>
-          <a:p>
-            <a:pPr>
-              <a:lnSpc>
-                <a:spcPct val="80000"/>
-              </a:lnSpc>
-              <a:buFont typeface="Wingdings" charset="0"/>
-              <a:buNone/>
-              <a:tabLst>
-                <a:tab pos="633413" algn="l"/>
-                <a:tab pos="973138" algn="l"/>
-                <a:tab pos="1254125" algn="l"/>
-              </a:tabLst>
-            </a:pPr>
-            <a:r>
-              <a:rPr lang="en-US" sz="1900">
-                <a:latin typeface="Courier New" charset="0"/>
-                <a:cs typeface="Courier New" charset="0"/>
-              </a:rPr>
-              <a:t>		   all columns, and divide by 3</a:t>
-            </a:r>
-          </a:p>
-          <a:p>
-            <a:pPr>
-              <a:lnSpc>
-                <a:spcPct val="80000"/>
-              </a:lnSpc>
-              <a:buFont typeface="Wingdings" charset="0"/>
-              <a:buNone/>
-              <a:tabLst>
-                <a:tab pos="633413" algn="l"/>
-                <a:tab pos="973138" algn="l"/>
-                <a:tab pos="1254125" algn="l"/>
-              </a:tabLst>
-            </a:pPr>
-            <a:r>
-              <a:rPr lang="en-US" sz="1900">
-                <a:latin typeface="Courier New" charset="0"/>
-                <a:cs typeface="Courier New" charset="0"/>
-              </a:rPr>
-              <a:t>		   to get each student</a:t>
-            </a:r>
-            <a:r>
-              <a:rPr lang="ja-JP" altLang="en-US" sz="1900">
-                <a:latin typeface="Courier New" charset="0"/>
-                <a:cs typeface="Courier New" charset="0"/>
-              </a:rPr>
-              <a:t>’</a:t>
-            </a:r>
-            <a:r>
-              <a:rPr lang="en-US" altLang="ja-JP" sz="1900">
-                <a:latin typeface="Courier New" charset="0"/>
-                <a:cs typeface="Courier New" charset="0"/>
-              </a:rPr>
-              <a:t>s avg */</a:t>
-            </a:r>
-          </a:p>
-          <a:p>
-            <a:pPr>
-              <a:lnSpc>
-                <a:spcPct val="80000"/>
-              </a:lnSpc>
-              <a:buFont typeface="Wingdings" charset="0"/>
-              <a:buNone/>
-              <a:tabLst>
-                <a:tab pos="633413" algn="l"/>
-                <a:tab pos="973138" algn="l"/>
-                <a:tab pos="1254125" algn="l"/>
-              </a:tabLst>
-            </a:pPr>
-            <a:r>
-              <a:rPr lang="en-US" sz="1900">
-                <a:latin typeface="Courier New" charset="0"/>
-                <a:cs typeface="Courier New" charset="0"/>
-              </a:rPr>
-              <a:t>		for (i = 0; i &lt; nStudents; i++) {</a:t>
-            </a:r>
-          </a:p>
-          <a:p>
-            <a:pPr>
-              <a:lnSpc>
-                <a:spcPct val="80000"/>
-              </a:lnSpc>
-              <a:buFont typeface="Wingdings" charset="0"/>
-              <a:buNone/>
-              <a:tabLst>
-                <a:tab pos="633413" algn="l"/>
-                <a:tab pos="973138" algn="l"/>
-                <a:tab pos="1254125" algn="l"/>
-              </a:tabLst>
-            </a:pPr>
-            <a:r>
-              <a:rPr lang="en-US" sz="1900">
-                <a:latin typeface="Courier New" charset="0"/>
-                <a:cs typeface="Courier New" charset="0"/>
-              </a:rPr>
-              <a:t>			averages[i] = grades[i][0];	// Initialize sum</a:t>
-            </a:r>
-          </a:p>
-          <a:p>
-            <a:pPr>
-              <a:lnSpc>
-                <a:spcPct val="80000"/>
-              </a:lnSpc>
-              <a:buFont typeface="Wingdings" charset="0"/>
-              <a:buNone/>
-              <a:tabLst>
-                <a:tab pos="633413" algn="l"/>
-                <a:tab pos="973138" algn="l"/>
-                <a:tab pos="1254125" algn="l"/>
-              </a:tabLst>
-            </a:pPr>
-            <a:r>
-              <a:rPr lang="en-US" sz="1900">
-                <a:latin typeface="Courier New" charset="0"/>
-                <a:cs typeface="Courier New" charset="0"/>
-              </a:rPr>
-              <a:t>			for (j = 1; j &lt; 3; j++) {</a:t>
-            </a:r>
-          </a:p>
-          <a:p>
-            <a:pPr>
-              <a:lnSpc>
-                <a:spcPct val="80000"/>
-              </a:lnSpc>
-              <a:buFont typeface="Wingdings" charset="0"/>
-              <a:buNone/>
-              <a:tabLst>
-                <a:tab pos="633413" algn="l"/>
-                <a:tab pos="973138" algn="l"/>
-                <a:tab pos="1254125" algn="l"/>
-              </a:tabLst>
-            </a:pPr>
-            <a:r>
-              <a:rPr lang="en-US" sz="1900">
-                <a:latin typeface="Courier New" charset="0"/>
-                <a:cs typeface="Courier New" charset="0"/>
-              </a:rPr>
-              <a:t>				averages[i] += grades[i][j];</a:t>
-            </a:r>
-          </a:p>
-          <a:p>
-            <a:pPr>
-              <a:lnSpc>
-                <a:spcPct val="80000"/>
-              </a:lnSpc>
-              <a:buFont typeface="Wingdings" charset="0"/>
-              <a:buNone/>
-              <a:tabLst>
-                <a:tab pos="633413" algn="l"/>
-                <a:tab pos="973138" algn="l"/>
-                <a:tab pos="1254125" algn="l"/>
-              </a:tabLst>
-            </a:pPr>
-            <a:r>
-              <a:rPr lang="en-US" sz="1900">
-                <a:latin typeface="Courier New" charset="0"/>
-                <a:cs typeface="Courier New" charset="0"/>
-              </a:rPr>
-              <a:t>			}</a:t>
-            </a:r>
-          </a:p>
-          <a:p>
-            <a:pPr>
-              <a:lnSpc>
-                <a:spcPct val="80000"/>
-              </a:lnSpc>
-              <a:buFont typeface="Wingdings" charset="0"/>
-              <a:buNone/>
-              <a:tabLst>
-                <a:tab pos="633413" algn="l"/>
-                <a:tab pos="973138" algn="l"/>
-                <a:tab pos="1254125" algn="l"/>
-              </a:tabLst>
-            </a:pPr>
-            <a:r>
-              <a:rPr lang="en-US" sz="1900">
-                <a:latin typeface="Courier New" charset="0"/>
-                <a:cs typeface="Courier New" charset="0"/>
-              </a:rPr>
-              <a:t>			averages[i] /= 3;</a:t>
-            </a:r>
-          </a:p>
-          <a:p>
-            <a:pPr>
-              <a:lnSpc>
-                <a:spcPct val="80000"/>
-              </a:lnSpc>
-              <a:buFont typeface="Wingdings" charset="0"/>
-              <a:buNone/>
-              <a:tabLst>
-                <a:tab pos="633413" algn="l"/>
-                <a:tab pos="973138" algn="l"/>
-                <a:tab pos="1254125" algn="l"/>
-              </a:tabLst>
-            </a:pPr>
-            <a:r>
-              <a:rPr lang="en-US" sz="1900">
-                <a:latin typeface="Courier New" charset="0"/>
-                <a:cs typeface="Courier New" charset="0"/>
-              </a:rPr>
-              <a:t>		}</a:t>
-            </a:r>
-          </a:p>
-          <a:p>
-            <a:pPr>
-              <a:lnSpc>
-                <a:spcPct val="80000"/>
-              </a:lnSpc>
-              <a:buFont typeface="Wingdings" charset="0"/>
-              <a:buNone/>
-              <a:tabLst>
-                <a:tab pos="633413" algn="l"/>
-                <a:tab pos="973138" algn="l"/>
-                <a:tab pos="1254125" algn="l"/>
-              </a:tabLst>
-            </a:pPr>
-            <a:r>
-              <a:rPr lang="en-US" sz="1900">
-                <a:latin typeface="Courier New" charset="0"/>
-                <a:cs typeface="Courier New" charset="0"/>
-              </a:rPr>
-              <a:t>}</a:t>
-            </a:r>
+            <a:r>
+              <a:rPr lang="en-US" dirty="0">
+                <a:latin typeface="Arial" charset="0"/>
+              </a:rPr>
+              <a:t>Next time</a:t>
+            </a:r>
+          </a:p>
+          <a:p>
+            <a:pPr lvl="1"/>
+            <a:r>
+              <a:rPr lang="en-US" dirty="0" smtClean="0">
+                <a:latin typeface="Arial" charset="0"/>
+              </a:rPr>
+              <a:t>Character arrays and strings</a:t>
+            </a:r>
+            <a:endParaRPr lang="en-US" dirty="0">
+              <a:latin typeface="Arial" charset="0"/>
+            </a:endParaRPr>
+          </a:p>
+          <a:p>
+            <a:r>
+              <a:rPr lang="en-US" dirty="0">
+                <a:latin typeface="Arial" charset="0"/>
+              </a:rPr>
+              <a:t>Reminders:</a:t>
+            </a:r>
+          </a:p>
+          <a:p>
+            <a:pPr lvl="1"/>
+            <a:r>
+              <a:rPr lang="en-US" dirty="0">
+                <a:latin typeface="Arial" charset="0"/>
+              </a:rPr>
+              <a:t>Program 4, 5 grades done; regrade deadlines TBD </a:t>
+            </a:r>
+            <a:endParaRPr lang="en-US" dirty="0" smtClean="0">
+              <a:latin typeface="Arial" charset="0"/>
+            </a:endParaRPr>
+          </a:p>
+          <a:p>
+            <a:pPr lvl="1"/>
+            <a:r>
+              <a:rPr lang="en-US" dirty="0" smtClean="0">
+                <a:latin typeface="Arial" charset="0"/>
+              </a:rPr>
+              <a:t>Program </a:t>
+            </a:r>
+            <a:r>
+              <a:rPr lang="en-US" dirty="0">
+                <a:latin typeface="Arial" charset="0"/>
+              </a:rPr>
+              <a:t>6 due 3/</a:t>
+            </a:r>
+            <a:r>
+              <a:rPr lang="en-US" dirty="0" smtClean="0">
+                <a:latin typeface="Arial" charset="0"/>
+              </a:rPr>
+              <a:t>28</a:t>
+            </a:r>
+          </a:p>
+          <a:p>
+            <a:pPr lvl="2"/>
+            <a:r>
+              <a:rPr lang="en-US" dirty="0">
+                <a:latin typeface="Arial" charset="0"/>
+              </a:rPr>
+              <a:t>Programs submitted 3/29-4/3 considered 1 day </a:t>
+            </a:r>
+            <a:r>
+              <a:rPr lang="en-US" dirty="0" smtClean="0">
+                <a:latin typeface="Arial" charset="0"/>
+              </a:rPr>
+              <a:t>late</a:t>
+            </a:r>
+            <a:endParaRPr lang="en-US" dirty="0">
+              <a:latin typeface="Arial" charset="0"/>
+            </a:endParaRPr>
+          </a:p>
+          <a:p>
+            <a:pPr lvl="1"/>
+            <a:r>
+              <a:rPr lang="en-US" dirty="0">
+                <a:latin typeface="Arial" charset="0"/>
+              </a:rPr>
+              <a:t>Exam 2 in class 3/30</a:t>
+            </a:r>
+          </a:p>
+          <a:p>
+            <a:pPr lvl="2"/>
+            <a:r>
+              <a:rPr lang="en-US" dirty="0">
+                <a:latin typeface="Arial" charset="0"/>
+              </a:rPr>
+              <a:t>Will be allowed one double-sided 8.5” x 11” note </a:t>
+            </a:r>
+            <a:r>
+              <a:rPr lang="en-US" dirty="0" smtClean="0">
+                <a:latin typeface="Arial" charset="0"/>
+              </a:rPr>
+              <a:t>sheet</a:t>
+            </a:r>
+          </a:p>
+          <a:p>
+            <a:pPr lvl="2"/>
+            <a:r>
+              <a:rPr lang="en-US" dirty="0">
+                <a:latin typeface="Arial" charset="0"/>
+              </a:rPr>
+              <a:t>Covers material starting after Exam 1, through this lecture (lectures 12-13, 15-21)</a:t>
+            </a:r>
+          </a:p>
+          <a:p>
+            <a:pPr lvl="2"/>
+            <a:endParaRPr lang="en-US" dirty="0">
+              <a:latin typeface="Arial" charset="0"/>
+            </a:endParaRPr>
           </a:p>
         </p:txBody>
       </p:sp>
@@ -22037,12 +21275,11 @@
           </a:lstStyle>
           <a:p>
             <a:pPr eaLnBrk="1" hangingPunct="1"/>
-            <a:fld id="{984536B7-F35A-144E-BEA5-E4BD97B75F6A}" type="datetime1">
-              <a:rPr lang="en-US" sz="1200">
+            <a:fld id="{F38ADA7C-18BF-43EE-BDF0-FD0AC8D4A239}" type="datetime1">
+              <a:rPr lang="en-US" sz="1200" smtClean="0">
                 <a:latin typeface="Garamond" charset="0"/>
               </a:rPr>
-              <a:pPr eaLnBrk="1" hangingPunct="1"/>
-              <a:t>3/21/16</a:t>
+              <a:t>3/23/16</a:t>
             </a:fld>
             <a:endParaRPr lang="en-US" sz="1200">
               <a:latin typeface="Garamond" charset="0"/>
@@ -22069,9 +21306,10 @@
               <a:defRPr/>
             </a:pPr>
             <a:r>
-              <a:rPr lang="en-US" altLang="en-US"/>
-              <a:t>ECE Application Programming: Lecture 20</a:t>
-            </a:r>
+              <a:rPr lang="en-US" altLang="en-US" smtClean="0"/>
+              <a:t>ECE Application Programming: Lecture 21</a:t>
+            </a:r>
+            <a:endParaRPr lang="en-US" altLang="en-US"/>
           </a:p>
         </p:txBody>
       </p:sp>
@@ -22220,12 +21458,12 @@
           </a:lstStyle>
           <a:p>
             <a:pPr eaLnBrk="1" hangingPunct="1"/>
-            <a:fld id="{F0EBBBD9-1913-9C4E-A82B-A23A11B1756C}" type="slidenum">
+            <a:fld id="{995840FA-E6F5-0343-A066-8FDDE6435D57}" type="slidenum">
               <a:rPr lang="en-US" sz="1200">
                 <a:latin typeface="Garamond" charset="0"/>
               </a:rPr>
               <a:pPr eaLnBrk="1" hangingPunct="1"/>
-              <a:t>19</a:t>
+              <a:t>18</a:t>
             </a:fld>
             <a:endParaRPr lang="en-US" sz="1200">
               <a:latin typeface="Garamond" charset="0"/>
@@ -22234,11 +21472,6 @@
         </p:txBody>
       </p:sp>
     </p:spTree>
-    <p:extLst>
-      <p:ext uri="{BB962C8B-B14F-4D97-AF65-F5344CB8AC3E}">
-        <p14:creationId xmlns:p14="http://schemas.microsoft.com/office/powerpoint/2010/main" val="1337561695"/>
-      </p:ext>
-    </p:extLst>
   </p:cSld>
   <p:clrMapOvr>
     <a:masterClrMapping/>
@@ -22307,7 +21540,7 @@
         <p:spPr/>
         <p:txBody>
           <a:bodyPr>
-            <a:normAutofit lnSpcReduction="10000"/>
+            <a:normAutofit fontScale="92500" lnSpcReduction="10000"/>
           </a:bodyPr>
           <a:lstStyle/>
           <a:p>
@@ -22321,10 +21554,25 @@
           <a:p>
             <a:pPr lvl="1"/>
             <a:r>
+              <a:rPr lang="en-US" dirty="0" smtClean="0">
+                <a:latin typeface="Arial" charset="0"/>
+              </a:rPr>
+              <a:t>Program 4, 5 grades done; regrade deadlines TBD</a:t>
+            </a:r>
+          </a:p>
+          <a:p>
+            <a:pPr lvl="1"/>
+            <a:r>
+              <a:rPr lang="en-US" dirty="0" smtClean="0">
+                <a:latin typeface="Arial" charset="0"/>
+              </a:rPr>
+              <a:t>Program </a:t>
+            </a:r>
+            <a:r>
               <a:rPr lang="en-US" dirty="0">
                 <a:latin typeface="Arial" charset="0"/>
               </a:rPr>
-              <a:t>Program 6 due 3/</a:t>
+              <a:t>6 due 3/</a:t>
             </a:r>
             <a:r>
               <a:rPr lang="en-US" dirty="0" smtClean="0">
@@ -22568,11 +21816,11 @@
           </a:lstStyle>
           <a:p>
             <a:pPr eaLnBrk="1" hangingPunct="1"/>
-            <a:fld id="{57738F0F-FAA3-5642-9F83-D600BF10E1B0}" type="datetime1">
+            <a:fld id="{1B892588-C925-4F1D-B020-70C6F1109597}" type="datetime1">
               <a:rPr lang="en-US" sz="1200" smtClean="0">
                 <a:latin typeface="Garamond" charset="0"/>
               </a:rPr>
-              <a:t>3/21/16</a:t>
+              <a:t>3/23/16</a:t>
             </a:fld>
             <a:endParaRPr lang="en-US" sz="1200">
               <a:latin typeface="Garamond" charset="0"/>
@@ -22600,7 +21848,7 @@
             </a:pPr>
             <a:r>
               <a:rPr lang="en-US" altLang="en-US" smtClean="0"/>
-              <a:t>ECE Application Programming: Lecture 20</a:t>
+              <a:t>ECE Application Programming: Lecture 21</a:t>
             </a:r>
             <a:endParaRPr lang="en-US" altLang="en-US" dirty="0"/>
           </a:p>
@@ -22757,1439 +22005,6 @@
               </a:rPr>
               <a:pPr eaLnBrk="1" hangingPunct="1"/>
               <a:t>2</a:t>
-            </a:fld>
-            <a:endParaRPr lang="en-US" sz="1200">
-              <a:latin typeface="Garamond" charset="0"/>
-            </a:endParaRPr>
-          </a:p>
-        </p:txBody>
-      </p:sp>
-    </p:spTree>
-  </p:cSld>
-  <p:clrMapOvr>
-    <a:masterClrMapping/>
-  </p:clrMapOvr>
-  <p:timing>
-    <p:tnLst>
-      <p:par>
-        <p:cTn xmlns:p14="http://schemas.microsoft.com/office/powerpoint/2010/main" id="1" dur="indefinite" restart="never" nodeType="tmRoot"/>
-      </p:par>
-    </p:tnLst>
-  </p:timing>
-</p:sld>
-</file>
-
-<file path=ppt/slides/slide20.xml><?xml version="1.0" encoding="utf-8"?>
-<p:sld xmlns:a="http://schemas.openxmlformats.org/drawingml/2006/main" xmlns:r="http://schemas.openxmlformats.org/officeDocument/2006/relationships" xmlns:p="http://schemas.openxmlformats.org/presentationml/2006/main">
-  <p:cSld>
-    <p:spTree>
-      <p:nvGrpSpPr>
-        <p:cNvPr id="1" name=""/>
-        <p:cNvGrpSpPr/>
-        <p:nvPr/>
-      </p:nvGrpSpPr>
-      <p:grpSpPr>
-        <a:xfrm>
-          <a:off x="0" y="0"/>
-          <a:ext cx="0" cy="0"/>
-          <a:chOff x="0" y="0"/>
-          <a:chExt cx="0" cy="0"/>
-        </a:xfrm>
-      </p:grpSpPr>
-      <p:sp>
-        <p:nvSpPr>
-          <p:cNvPr id="41985" name="Title 1"/>
-          <p:cNvSpPr>
-            <a:spLocks noGrp="1"/>
-          </p:cNvSpPr>
-          <p:nvPr>
-            <p:ph type="title"/>
-          </p:nvPr>
-        </p:nvSpPr>
-        <p:spPr/>
-        <p:txBody>
-          <a:bodyPr/>
-          <a:lstStyle/>
-          <a:p>
-            <a:r>
-              <a:rPr lang="en-US">
-                <a:latin typeface="Garamond" charset="0"/>
-              </a:rPr>
-              <a:t>Example solution (cont.)</a:t>
-            </a:r>
-          </a:p>
-        </p:txBody>
-      </p:sp>
-      <p:sp>
-        <p:nvSpPr>
-          <p:cNvPr id="3" name="Content Placeholder 2"/>
-          <p:cNvSpPr>
-            <a:spLocks noGrp="1"/>
-          </p:cNvSpPr>
-          <p:nvPr>
-            <p:ph idx="1"/>
-          </p:nvPr>
-        </p:nvSpPr>
-        <p:spPr/>
-        <p:txBody>
-          <a:bodyPr>
-            <a:normAutofit fontScale="62500" lnSpcReduction="20000"/>
-          </a:bodyPr>
-          <a:lstStyle/>
-          <a:p>
-            <a:pPr>
-              <a:buFont typeface="Wingdings" pitchFamily="2" charset="2"/>
-              <a:buNone/>
-              <a:tabLst>
-                <a:tab pos="633413" algn="l"/>
-                <a:tab pos="973138" algn="l"/>
-                <a:tab pos="1254125" algn="l"/>
-              </a:tabLst>
-              <a:defRPr/>
-            </a:pPr>
-            <a:r>
-              <a:rPr lang="en-US" dirty="0" smtClean="0">
-                <a:latin typeface="Courier New" pitchFamily="49" charset="0"/>
-                <a:ea typeface="+mn-ea"/>
-                <a:cs typeface="Courier New" pitchFamily="49" charset="0"/>
-              </a:rPr>
-              <a:t>void </a:t>
-            </a:r>
-            <a:r>
-              <a:rPr lang="en-US" dirty="0" err="1" smtClean="0">
-                <a:latin typeface="Courier New" pitchFamily="49" charset="0"/>
-                <a:ea typeface="+mn-ea"/>
-                <a:cs typeface="Courier New" pitchFamily="49" charset="0"/>
-              </a:rPr>
-              <a:t>examAvg</a:t>
-            </a:r>
-            <a:r>
-              <a:rPr lang="en-US" dirty="0" smtClean="0">
-                <a:latin typeface="Courier New" pitchFamily="49" charset="0"/>
-                <a:ea typeface="+mn-ea"/>
-                <a:cs typeface="Courier New" pitchFamily="49" charset="0"/>
-              </a:rPr>
-              <a:t>(double grades[][3], </a:t>
-            </a:r>
-            <a:r>
-              <a:rPr lang="en-US" dirty="0" err="1" smtClean="0">
-                <a:latin typeface="Courier New" pitchFamily="49" charset="0"/>
-                <a:ea typeface="+mn-ea"/>
-                <a:cs typeface="Courier New" pitchFamily="49" charset="0"/>
-              </a:rPr>
-              <a:t>int</a:t>
-            </a:r>
-            <a:r>
-              <a:rPr lang="en-US" dirty="0" smtClean="0">
-                <a:latin typeface="Courier New" pitchFamily="49" charset="0"/>
-                <a:ea typeface="+mn-ea"/>
-                <a:cs typeface="Courier New" pitchFamily="49" charset="0"/>
-              </a:rPr>
-              <a:t> </a:t>
-            </a:r>
-            <a:r>
-              <a:rPr lang="en-US" dirty="0" err="1" smtClean="0">
-                <a:latin typeface="Courier New" pitchFamily="49" charset="0"/>
-                <a:ea typeface="+mn-ea"/>
-                <a:cs typeface="Courier New" pitchFamily="49" charset="0"/>
-              </a:rPr>
-              <a:t>nStudents</a:t>
-            </a:r>
-            <a:r>
-              <a:rPr lang="en-US" dirty="0" smtClean="0">
-                <a:latin typeface="Courier New" pitchFamily="49" charset="0"/>
-                <a:ea typeface="+mn-ea"/>
-                <a:cs typeface="Courier New" pitchFamily="49" charset="0"/>
-              </a:rPr>
-              <a:t>,</a:t>
-            </a:r>
-          </a:p>
-          <a:p>
-            <a:pPr>
-              <a:buFont typeface="Wingdings" pitchFamily="2" charset="2"/>
-              <a:buNone/>
-              <a:tabLst>
-                <a:tab pos="633413" algn="l"/>
-                <a:tab pos="973138" algn="l"/>
-                <a:tab pos="1254125" algn="l"/>
-              </a:tabLst>
-              <a:defRPr/>
-            </a:pPr>
-            <a:r>
-              <a:rPr lang="en-US" dirty="0" smtClean="0">
-                <a:latin typeface="Courier New" pitchFamily="49" charset="0"/>
-                <a:ea typeface="+mn-ea"/>
-                <a:cs typeface="Courier New" pitchFamily="49" charset="0"/>
-              </a:rPr>
-              <a:t>					double averages[]) {</a:t>
-            </a:r>
-          </a:p>
-          <a:p>
-            <a:pPr>
-              <a:buFont typeface="Wingdings" pitchFamily="2" charset="2"/>
-              <a:buNone/>
-              <a:tabLst>
-                <a:tab pos="633413" algn="l"/>
-                <a:tab pos="973138" algn="l"/>
-                <a:tab pos="1254125" algn="l"/>
-              </a:tabLst>
-              <a:defRPr/>
-            </a:pPr>
-            <a:r>
-              <a:rPr lang="en-US" dirty="0" smtClean="0">
-                <a:latin typeface="Courier New" pitchFamily="49" charset="0"/>
-                <a:ea typeface="+mn-ea"/>
-                <a:cs typeface="Courier New" pitchFamily="49" charset="0"/>
-              </a:rPr>
-              <a:t>		</a:t>
-            </a:r>
-            <a:r>
-              <a:rPr lang="en-US" dirty="0" err="1" smtClean="0">
-                <a:latin typeface="Courier New" pitchFamily="49" charset="0"/>
-                <a:ea typeface="+mn-ea"/>
-                <a:cs typeface="Courier New" pitchFamily="49" charset="0"/>
-              </a:rPr>
-              <a:t>int</a:t>
-            </a:r>
-            <a:r>
-              <a:rPr lang="en-US" dirty="0" smtClean="0">
-                <a:latin typeface="Courier New" pitchFamily="49" charset="0"/>
-                <a:ea typeface="+mn-ea"/>
-                <a:cs typeface="Courier New" pitchFamily="49" charset="0"/>
-              </a:rPr>
-              <a:t> </a:t>
-            </a:r>
-            <a:r>
-              <a:rPr lang="en-US" dirty="0" err="1" smtClean="0">
-                <a:latin typeface="Courier New" pitchFamily="49" charset="0"/>
-                <a:ea typeface="+mn-ea"/>
-                <a:cs typeface="Courier New" pitchFamily="49" charset="0"/>
-              </a:rPr>
-              <a:t>i</a:t>
-            </a:r>
-            <a:r>
-              <a:rPr lang="en-US" dirty="0" smtClean="0">
-                <a:latin typeface="Courier New" pitchFamily="49" charset="0"/>
-                <a:ea typeface="+mn-ea"/>
-                <a:cs typeface="Courier New" pitchFamily="49" charset="0"/>
-              </a:rPr>
-              <a:t>, j;	// Row/column #</a:t>
-            </a:r>
-          </a:p>
-          <a:p>
-            <a:pPr>
-              <a:buFont typeface="Wingdings" pitchFamily="2" charset="2"/>
-              <a:buNone/>
-              <a:tabLst>
-                <a:tab pos="633413" algn="l"/>
-                <a:tab pos="973138" algn="l"/>
-                <a:tab pos="1254125" algn="l"/>
-              </a:tabLst>
-              <a:defRPr/>
-            </a:pPr>
-            <a:r>
-              <a:rPr lang="en-US" dirty="0" smtClean="0">
-                <a:latin typeface="Courier New" pitchFamily="49" charset="0"/>
-                <a:ea typeface="+mn-ea"/>
-                <a:cs typeface="Courier New" pitchFamily="49" charset="0"/>
-              </a:rPr>
-              <a:t>		</a:t>
-            </a:r>
-          </a:p>
-          <a:p>
-            <a:pPr>
-              <a:buFont typeface="Wingdings" pitchFamily="2" charset="2"/>
-              <a:buNone/>
-              <a:tabLst>
-                <a:tab pos="633413" algn="l"/>
-                <a:tab pos="973138" algn="l"/>
-                <a:tab pos="1254125" algn="l"/>
-              </a:tabLst>
-              <a:defRPr/>
-            </a:pPr>
-            <a:r>
-              <a:rPr lang="en-US" dirty="0" smtClean="0">
-                <a:latin typeface="Courier New" pitchFamily="49" charset="0"/>
-                <a:ea typeface="+mn-ea"/>
-                <a:cs typeface="Courier New" pitchFamily="49" charset="0"/>
-              </a:rPr>
-              <a:t>		/* Go through each column, sum</a:t>
-            </a:r>
-          </a:p>
-          <a:p>
-            <a:pPr>
-              <a:buFont typeface="Wingdings" pitchFamily="2" charset="2"/>
-              <a:buNone/>
-              <a:tabLst>
-                <a:tab pos="633413" algn="l"/>
-                <a:tab pos="973138" algn="l"/>
-                <a:tab pos="1254125" algn="l"/>
-              </a:tabLst>
-              <a:defRPr/>
-            </a:pPr>
-            <a:r>
-              <a:rPr lang="en-US" dirty="0" smtClean="0">
-                <a:latin typeface="Courier New" pitchFamily="49" charset="0"/>
-                <a:ea typeface="+mn-ea"/>
-                <a:cs typeface="Courier New" pitchFamily="49" charset="0"/>
-              </a:rPr>
-              <a:t>		   all rows, and divide by </a:t>
-            </a:r>
-            <a:r>
-              <a:rPr lang="en-US" dirty="0" err="1" smtClean="0">
-                <a:latin typeface="Courier New" pitchFamily="49" charset="0"/>
-                <a:ea typeface="+mn-ea"/>
-                <a:cs typeface="Courier New" pitchFamily="49" charset="0"/>
-              </a:rPr>
-              <a:t>nStudents</a:t>
-            </a:r>
-            <a:endParaRPr lang="en-US" dirty="0" smtClean="0">
-              <a:latin typeface="Courier New" pitchFamily="49" charset="0"/>
-              <a:ea typeface="+mn-ea"/>
-              <a:cs typeface="Courier New" pitchFamily="49" charset="0"/>
-            </a:endParaRPr>
-          </a:p>
-          <a:p>
-            <a:pPr>
-              <a:buFont typeface="Wingdings" pitchFamily="2" charset="2"/>
-              <a:buNone/>
-              <a:tabLst>
-                <a:tab pos="633413" algn="l"/>
-                <a:tab pos="973138" algn="l"/>
-                <a:tab pos="1254125" algn="l"/>
-              </a:tabLst>
-              <a:defRPr/>
-            </a:pPr>
-            <a:r>
-              <a:rPr lang="en-US" dirty="0" smtClean="0">
-                <a:latin typeface="Courier New" pitchFamily="49" charset="0"/>
-                <a:ea typeface="+mn-ea"/>
-                <a:cs typeface="Courier New" pitchFamily="49" charset="0"/>
-              </a:rPr>
-              <a:t>		   to get each exam </a:t>
-            </a:r>
-            <a:r>
-              <a:rPr lang="en-US" dirty="0" err="1" smtClean="0">
-                <a:latin typeface="Courier New" pitchFamily="49" charset="0"/>
-                <a:ea typeface="+mn-ea"/>
-                <a:cs typeface="Courier New" pitchFamily="49" charset="0"/>
-              </a:rPr>
-              <a:t>avg</a:t>
-            </a:r>
-            <a:r>
-              <a:rPr lang="en-US" dirty="0" smtClean="0">
-                <a:latin typeface="Courier New" pitchFamily="49" charset="0"/>
-                <a:ea typeface="+mn-ea"/>
-                <a:cs typeface="Courier New" pitchFamily="49" charset="0"/>
-              </a:rPr>
-              <a:t> */</a:t>
-            </a:r>
-          </a:p>
-          <a:p>
-            <a:pPr>
-              <a:buFont typeface="Wingdings" pitchFamily="2" charset="2"/>
-              <a:buNone/>
-              <a:tabLst>
-                <a:tab pos="633413" algn="l"/>
-                <a:tab pos="973138" algn="l"/>
-                <a:tab pos="1254125" algn="l"/>
-              </a:tabLst>
-              <a:defRPr/>
-            </a:pPr>
-            <a:r>
-              <a:rPr lang="en-US" dirty="0" smtClean="0">
-                <a:latin typeface="Courier New" pitchFamily="49" charset="0"/>
-                <a:ea typeface="+mn-ea"/>
-                <a:cs typeface="Courier New" pitchFamily="49" charset="0"/>
-              </a:rPr>
-              <a:t>		for (j = 0; j &lt; 3; j++) {</a:t>
-            </a:r>
-          </a:p>
-          <a:p>
-            <a:pPr>
-              <a:buFont typeface="Wingdings" pitchFamily="2" charset="2"/>
-              <a:buNone/>
-              <a:tabLst>
-                <a:tab pos="633413" algn="l"/>
-                <a:tab pos="973138" algn="l"/>
-                <a:tab pos="1254125" algn="l"/>
-              </a:tabLst>
-              <a:defRPr/>
-            </a:pPr>
-            <a:r>
-              <a:rPr lang="en-US" dirty="0" smtClean="0">
-                <a:latin typeface="Courier New" pitchFamily="49" charset="0"/>
-                <a:ea typeface="+mn-ea"/>
-                <a:cs typeface="Courier New" pitchFamily="49" charset="0"/>
-              </a:rPr>
-              <a:t>			averages[j] = grades[0][j];	// Initialize sum</a:t>
-            </a:r>
-          </a:p>
-          <a:p>
-            <a:pPr>
-              <a:buFont typeface="Wingdings" pitchFamily="2" charset="2"/>
-              <a:buNone/>
-              <a:tabLst>
-                <a:tab pos="633413" algn="l"/>
-                <a:tab pos="973138" algn="l"/>
-                <a:tab pos="1254125" algn="l"/>
-              </a:tabLst>
-              <a:defRPr/>
-            </a:pPr>
-            <a:r>
-              <a:rPr lang="en-US" dirty="0" smtClean="0">
-                <a:latin typeface="Courier New" pitchFamily="49" charset="0"/>
-                <a:ea typeface="+mn-ea"/>
-                <a:cs typeface="Courier New" pitchFamily="49" charset="0"/>
-              </a:rPr>
-              <a:t>			for (</a:t>
-            </a:r>
-            <a:r>
-              <a:rPr lang="en-US" dirty="0" err="1" smtClean="0">
-                <a:latin typeface="Courier New" pitchFamily="49" charset="0"/>
-                <a:ea typeface="+mn-ea"/>
-                <a:cs typeface="Courier New" pitchFamily="49" charset="0"/>
-              </a:rPr>
-              <a:t>i</a:t>
-            </a:r>
-            <a:r>
-              <a:rPr lang="en-US" dirty="0" smtClean="0">
-                <a:latin typeface="Courier New" pitchFamily="49" charset="0"/>
-                <a:ea typeface="+mn-ea"/>
-                <a:cs typeface="Courier New" pitchFamily="49" charset="0"/>
-              </a:rPr>
-              <a:t> = 1; </a:t>
-            </a:r>
-            <a:r>
-              <a:rPr lang="en-US" dirty="0" err="1" smtClean="0">
-                <a:latin typeface="Courier New" pitchFamily="49" charset="0"/>
-                <a:ea typeface="+mn-ea"/>
-                <a:cs typeface="Courier New" pitchFamily="49" charset="0"/>
-              </a:rPr>
-              <a:t>i</a:t>
-            </a:r>
-            <a:r>
-              <a:rPr lang="en-US" dirty="0" smtClean="0">
-                <a:latin typeface="Courier New" pitchFamily="49" charset="0"/>
-                <a:ea typeface="+mn-ea"/>
-                <a:cs typeface="Courier New" pitchFamily="49" charset="0"/>
-              </a:rPr>
-              <a:t> &lt; </a:t>
-            </a:r>
-            <a:r>
-              <a:rPr lang="en-US" dirty="0" err="1" smtClean="0">
-                <a:latin typeface="Courier New" pitchFamily="49" charset="0"/>
-                <a:ea typeface="+mn-ea"/>
-                <a:cs typeface="Courier New" pitchFamily="49" charset="0"/>
-              </a:rPr>
-              <a:t>nStudents</a:t>
-            </a:r>
-            <a:r>
-              <a:rPr lang="en-US" dirty="0" smtClean="0">
-                <a:latin typeface="Courier New" pitchFamily="49" charset="0"/>
-                <a:ea typeface="+mn-ea"/>
-                <a:cs typeface="Courier New" pitchFamily="49" charset="0"/>
-              </a:rPr>
-              <a:t>; i++) {</a:t>
-            </a:r>
-          </a:p>
-          <a:p>
-            <a:pPr>
-              <a:buFont typeface="Wingdings" pitchFamily="2" charset="2"/>
-              <a:buNone/>
-              <a:tabLst>
-                <a:tab pos="633413" algn="l"/>
-                <a:tab pos="973138" algn="l"/>
-                <a:tab pos="1254125" algn="l"/>
-              </a:tabLst>
-              <a:defRPr/>
-            </a:pPr>
-            <a:r>
-              <a:rPr lang="en-US" dirty="0" smtClean="0">
-                <a:latin typeface="Courier New" pitchFamily="49" charset="0"/>
-                <a:ea typeface="+mn-ea"/>
-                <a:cs typeface="Courier New" pitchFamily="49" charset="0"/>
-              </a:rPr>
-              <a:t>				averages[j] += grades[</a:t>
-            </a:r>
-            <a:r>
-              <a:rPr lang="en-US" dirty="0" err="1" smtClean="0">
-                <a:latin typeface="Courier New" pitchFamily="49" charset="0"/>
-                <a:ea typeface="+mn-ea"/>
-                <a:cs typeface="Courier New" pitchFamily="49" charset="0"/>
-              </a:rPr>
-              <a:t>i</a:t>
-            </a:r>
-            <a:r>
-              <a:rPr lang="en-US" dirty="0" smtClean="0">
-                <a:latin typeface="Courier New" pitchFamily="49" charset="0"/>
-                <a:ea typeface="+mn-ea"/>
-                <a:cs typeface="Courier New" pitchFamily="49" charset="0"/>
-              </a:rPr>
-              <a:t>][j];</a:t>
-            </a:r>
-          </a:p>
-          <a:p>
-            <a:pPr>
-              <a:buFont typeface="Wingdings" pitchFamily="2" charset="2"/>
-              <a:buNone/>
-              <a:tabLst>
-                <a:tab pos="633413" algn="l"/>
-                <a:tab pos="973138" algn="l"/>
-                <a:tab pos="1254125" algn="l"/>
-              </a:tabLst>
-              <a:defRPr/>
-            </a:pPr>
-            <a:r>
-              <a:rPr lang="en-US" dirty="0" smtClean="0">
-                <a:latin typeface="Courier New" pitchFamily="49" charset="0"/>
-                <a:ea typeface="+mn-ea"/>
-                <a:cs typeface="Courier New" pitchFamily="49" charset="0"/>
-              </a:rPr>
-              <a:t>			}</a:t>
-            </a:r>
-          </a:p>
-          <a:p>
-            <a:pPr>
-              <a:buFont typeface="Wingdings" pitchFamily="2" charset="2"/>
-              <a:buNone/>
-              <a:tabLst>
-                <a:tab pos="633413" algn="l"/>
-                <a:tab pos="973138" algn="l"/>
-                <a:tab pos="1254125" algn="l"/>
-              </a:tabLst>
-              <a:defRPr/>
-            </a:pPr>
-            <a:r>
-              <a:rPr lang="en-US" dirty="0" smtClean="0">
-                <a:latin typeface="Courier New" pitchFamily="49" charset="0"/>
-                <a:ea typeface="+mn-ea"/>
-                <a:cs typeface="Courier New" pitchFamily="49" charset="0"/>
-              </a:rPr>
-              <a:t>			averages[j] /= </a:t>
-            </a:r>
-            <a:r>
-              <a:rPr lang="en-US" dirty="0" err="1" smtClean="0">
-                <a:latin typeface="Courier New" pitchFamily="49" charset="0"/>
-                <a:ea typeface="+mn-ea"/>
-                <a:cs typeface="Courier New" pitchFamily="49" charset="0"/>
-              </a:rPr>
-              <a:t>nStudents</a:t>
-            </a:r>
-            <a:r>
-              <a:rPr lang="en-US" dirty="0" smtClean="0">
-                <a:latin typeface="Courier New" pitchFamily="49" charset="0"/>
-                <a:ea typeface="+mn-ea"/>
-                <a:cs typeface="Courier New" pitchFamily="49" charset="0"/>
-              </a:rPr>
-              <a:t>;</a:t>
-            </a:r>
-          </a:p>
-          <a:p>
-            <a:pPr>
-              <a:buFont typeface="Wingdings" pitchFamily="2" charset="2"/>
-              <a:buNone/>
-              <a:tabLst>
-                <a:tab pos="633413" algn="l"/>
-                <a:tab pos="973138" algn="l"/>
-                <a:tab pos="1254125" algn="l"/>
-              </a:tabLst>
-              <a:defRPr/>
-            </a:pPr>
-            <a:r>
-              <a:rPr lang="en-US" dirty="0" smtClean="0">
-                <a:latin typeface="Courier New" pitchFamily="49" charset="0"/>
-                <a:ea typeface="+mn-ea"/>
-                <a:cs typeface="Courier New" pitchFamily="49" charset="0"/>
-              </a:rPr>
-              <a:t>		}</a:t>
-            </a:r>
-          </a:p>
-          <a:p>
-            <a:pPr>
-              <a:buFont typeface="Wingdings" pitchFamily="2" charset="2"/>
-              <a:buNone/>
-              <a:tabLst>
-                <a:tab pos="633413" algn="l"/>
-                <a:tab pos="973138" algn="l"/>
-                <a:tab pos="1254125" algn="l"/>
-              </a:tabLst>
-              <a:defRPr/>
-            </a:pPr>
-            <a:r>
-              <a:rPr lang="en-US" dirty="0" smtClean="0">
-                <a:latin typeface="Courier New" pitchFamily="49" charset="0"/>
-                <a:ea typeface="+mn-ea"/>
-                <a:cs typeface="Courier New" pitchFamily="49" charset="0"/>
-              </a:rPr>
-              <a:t>}</a:t>
-            </a:r>
-            <a:endParaRPr lang="en-US" dirty="0">
-              <a:latin typeface="Courier New" pitchFamily="49" charset="0"/>
-              <a:ea typeface="+mn-ea"/>
-              <a:cs typeface="Courier New" pitchFamily="49" charset="0"/>
-            </a:endParaRPr>
-          </a:p>
-        </p:txBody>
-      </p:sp>
-      <p:sp>
-        <p:nvSpPr>
-          <p:cNvPr id="41987" name="Date Placeholder 3"/>
-          <p:cNvSpPr>
-            <a:spLocks noGrp="1"/>
-          </p:cNvSpPr>
-          <p:nvPr>
-            <p:ph type="dt" sz="quarter" idx="10"/>
-          </p:nvPr>
-        </p:nvSpPr>
-        <p:spPr>
-          <a:noFill/>
-          <a:ln/>
-          <a:extLst>
-            <a:ext uri="{909E8E84-426E-40dd-AFC4-6F175D3DCCD1}">
-              <a14:hiddenFill xmlns:a14="http://schemas.microsoft.com/office/drawing/2010/main">
-                <a:solidFill>
-                  <a:srgbClr val="FFFFFF"/>
-                </a:solidFill>
-              </a14:hiddenFill>
-            </a:ext>
-            <a:ext uri="{91240B29-F687-4f45-9708-019B960494DF}">
-              <a14:hiddenLine xmlns:a14="http://schemas.microsoft.com/office/drawing/2010/main" w="9525">
-                <a:solidFill>
-                  <a:srgbClr val="000000"/>
-                </a:solidFill>
-                <a:miter lim="800000"/>
-                <a:headEnd/>
-                <a:tailEnd/>
-              </a14:hiddenLine>
-            </a:ext>
-          </a:extLst>
-        </p:spPr>
-        <p:txBody>
-          <a:bodyPr/>
-          <a:lstStyle>
-            <a:lvl1pPr eaLnBrk="0" hangingPunct="0">
-              <a:defRPr sz="2400">
-                <a:solidFill>
-                  <a:schemeClr val="tx1"/>
-                </a:solidFill>
-                <a:latin typeface="Arial" charset="0"/>
-                <a:ea typeface="ＭＳ Ｐゴシック" charset="0"/>
-                <a:cs typeface="ＭＳ Ｐゴシック" charset="0"/>
-              </a:defRPr>
-            </a:lvl1pPr>
-            <a:lvl2pPr marL="742950" indent="-285750" eaLnBrk="0" hangingPunct="0">
-              <a:defRPr sz="2400">
-                <a:solidFill>
-                  <a:schemeClr val="tx1"/>
-                </a:solidFill>
-                <a:latin typeface="Arial" charset="0"/>
-                <a:ea typeface="ＭＳ Ｐゴシック" charset="0"/>
-              </a:defRPr>
-            </a:lvl2pPr>
-            <a:lvl3pPr marL="1143000" indent="-228600" eaLnBrk="0" hangingPunct="0">
-              <a:defRPr sz="2400">
-                <a:solidFill>
-                  <a:schemeClr val="tx1"/>
-                </a:solidFill>
-                <a:latin typeface="Arial" charset="0"/>
-                <a:ea typeface="ＭＳ Ｐゴシック" charset="0"/>
-              </a:defRPr>
-            </a:lvl3pPr>
-            <a:lvl4pPr marL="1600200" indent="-228600" eaLnBrk="0" hangingPunct="0">
-              <a:defRPr sz="2400">
-                <a:solidFill>
-                  <a:schemeClr val="tx1"/>
-                </a:solidFill>
-                <a:latin typeface="Arial" charset="0"/>
-                <a:ea typeface="ＭＳ Ｐゴシック" charset="0"/>
-              </a:defRPr>
-            </a:lvl4pPr>
-            <a:lvl5pPr marL="2057400" indent="-228600" eaLnBrk="0" hangingPunct="0">
-              <a:defRPr sz="2400">
-                <a:solidFill>
-                  <a:schemeClr val="tx1"/>
-                </a:solidFill>
-                <a:latin typeface="Arial" charset="0"/>
-                <a:ea typeface="ＭＳ Ｐゴシック" charset="0"/>
-              </a:defRPr>
-            </a:lvl5pPr>
-            <a:lvl6pPr marL="2514600" indent="-228600" eaLnBrk="0" fontAlgn="base" hangingPunct="0">
-              <a:spcBef>
-                <a:spcPct val="0"/>
-              </a:spcBef>
-              <a:spcAft>
-                <a:spcPct val="0"/>
-              </a:spcAft>
-              <a:defRPr sz="2400">
-                <a:solidFill>
-                  <a:schemeClr val="tx1"/>
-                </a:solidFill>
-                <a:latin typeface="Arial" charset="0"/>
-                <a:ea typeface="ＭＳ Ｐゴシック" charset="0"/>
-              </a:defRPr>
-            </a:lvl6pPr>
-            <a:lvl7pPr marL="2971800" indent="-228600" eaLnBrk="0" fontAlgn="base" hangingPunct="0">
-              <a:spcBef>
-                <a:spcPct val="0"/>
-              </a:spcBef>
-              <a:spcAft>
-                <a:spcPct val="0"/>
-              </a:spcAft>
-              <a:defRPr sz="2400">
-                <a:solidFill>
-                  <a:schemeClr val="tx1"/>
-                </a:solidFill>
-                <a:latin typeface="Arial" charset="0"/>
-                <a:ea typeface="ＭＳ Ｐゴシック" charset="0"/>
-              </a:defRPr>
-            </a:lvl7pPr>
-            <a:lvl8pPr marL="3429000" indent="-228600" eaLnBrk="0" fontAlgn="base" hangingPunct="0">
-              <a:spcBef>
-                <a:spcPct val="0"/>
-              </a:spcBef>
-              <a:spcAft>
-                <a:spcPct val="0"/>
-              </a:spcAft>
-              <a:defRPr sz="2400">
-                <a:solidFill>
-                  <a:schemeClr val="tx1"/>
-                </a:solidFill>
-                <a:latin typeface="Arial" charset="0"/>
-                <a:ea typeface="ＭＳ Ｐゴシック" charset="0"/>
-              </a:defRPr>
-            </a:lvl8pPr>
-            <a:lvl9pPr marL="3886200" indent="-228600" eaLnBrk="0" fontAlgn="base" hangingPunct="0">
-              <a:spcBef>
-                <a:spcPct val="0"/>
-              </a:spcBef>
-              <a:spcAft>
-                <a:spcPct val="0"/>
-              </a:spcAft>
-              <a:defRPr sz="2400">
-                <a:solidFill>
-                  <a:schemeClr val="tx1"/>
-                </a:solidFill>
-                <a:latin typeface="Arial" charset="0"/>
-                <a:ea typeface="ＭＳ Ｐゴシック" charset="0"/>
-              </a:defRPr>
-            </a:lvl9pPr>
-          </a:lstStyle>
-          <a:p>
-            <a:pPr eaLnBrk="1" hangingPunct="1"/>
-            <a:fld id="{D740D099-1B50-9F40-B955-295175761606}" type="datetime1">
-              <a:rPr lang="en-US" sz="1200">
-                <a:latin typeface="Garamond" charset="0"/>
-              </a:rPr>
-              <a:pPr eaLnBrk="1" hangingPunct="1"/>
-              <a:t>3/21/16</a:t>
-            </a:fld>
-            <a:endParaRPr lang="en-US" sz="1200">
-              <a:latin typeface="Garamond" charset="0"/>
-            </a:endParaRPr>
-          </a:p>
-        </p:txBody>
-      </p:sp>
-      <p:sp>
-        <p:nvSpPr>
-          <p:cNvPr id="5" name="Footer Placeholder 4"/>
-          <p:cNvSpPr>
-            <a:spLocks noGrp="1"/>
-          </p:cNvSpPr>
-          <p:nvPr>
-            <p:ph type="ftr" sz="quarter" idx="11"/>
-          </p:nvPr>
-        </p:nvSpPr>
-        <p:spPr/>
-        <p:txBody>
-          <a:bodyPr/>
-          <a:lstStyle/>
-          <a:p>
-            <a:pPr>
-              <a:defRPr/>
-            </a:pPr>
-            <a:r>
-              <a:rPr lang="en-US" altLang="en-US"/>
-              <a:t>ECE Application Programming: Lecture 20</a:t>
-            </a:r>
-          </a:p>
-        </p:txBody>
-      </p:sp>
-      <p:sp>
-        <p:nvSpPr>
-          <p:cNvPr id="41989" name="Slide Number Placeholder 5"/>
-          <p:cNvSpPr>
-            <a:spLocks noGrp="1"/>
-          </p:cNvSpPr>
-          <p:nvPr>
-            <p:ph type="sldNum" sz="quarter" idx="12"/>
-          </p:nvPr>
-        </p:nvSpPr>
-        <p:spPr>
-          <a:noFill/>
-          <a:ln/>
-          <a:extLst>
-            <a:ext uri="{909E8E84-426E-40dd-AFC4-6F175D3DCCD1}">
-              <a14:hiddenFill xmlns:a14="http://schemas.microsoft.com/office/drawing/2010/main">
-                <a:solidFill>
-                  <a:srgbClr val="FFFFFF"/>
-                </a:solidFill>
-              </a14:hiddenFill>
-            </a:ext>
-            <a:ext uri="{91240B29-F687-4f45-9708-019B960494DF}">
-              <a14:hiddenLine xmlns:a14="http://schemas.microsoft.com/office/drawing/2010/main" w="9525">
-                <a:solidFill>
-                  <a:srgbClr val="000000"/>
-                </a:solidFill>
-                <a:miter lim="800000"/>
-                <a:headEnd/>
-                <a:tailEnd/>
-              </a14:hiddenLine>
-            </a:ext>
-          </a:extLst>
-        </p:spPr>
-        <p:txBody>
-          <a:bodyPr/>
-          <a:lstStyle>
-            <a:lvl1pPr eaLnBrk="0" hangingPunct="0">
-              <a:defRPr sz="2400">
-                <a:solidFill>
-                  <a:schemeClr val="tx1"/>
-                </a:solidFill>
-                <a:latin typeface="Arial" charset="0"/>
-                <a:ea typeface="ＭＳ Ｐゴシック" charset="0"/>
-                <a:cs typeface="ＭＳ Ｐゴシック" charset="0"/>
-              </a:defRPr>
-            </a:lvl1pPr>
-            <a:lvl2pPr marL="742950" indent="-285750" eaLnBrk="0" hangingPunct="0">
-              <a:defRPr sz="2400">
-                <a:solidFill>
-                  <a:schemeClr val="tx1"/>
-                </a:solidFill>
-                <a:latin typeface="Arial" charset="0"/>
-                <a:ea typeface="ＭＳ Ｐゴシック" charset="0"/>
-              </a:defRPr>
-            </a:lvl2pPr>
-            <a:lvl3pPr marL="1143000" indent="-228600" eaLnBrk="0" hangingPunct="0">
-              <a:defRPr sz="2400">
-                <a:solidFill>
-                  <a:schemeClr val="tx1"/>
-                </a:solidFill>
-                <a:latin typeface="Arial" charset="0"/>
-                <a:ea typeface="ＭＳ Ｐゴシック" charset="0"/>
-              </a:defRPr>
-            </a:lvl3pPr>
-            <a:lvl4pPr marL="1600200" indent="-228600" eaLnBrk="0" hangingPunct="0">
-              <a:defRPr sz="2400">
-                <a:solidFill>
-                  <a:schemeClr val="tx1"/>
-                </a:solidFill>
-                <a:latin typeface="Arial" charset="0"/>
-                <a:ea typeface="ＭＳ Ｐゴシック" charset="0"/>
-              </a:defRPr>
-            </a:lvl4pPr>
-            <a:lvl5pPr marL="2057400" indent="-228600" eaLnBrk="0" hangingPunct="0">
-              <a:defRPr sz="2400">
-                <a:solidFill>
-                  <a:schemeClr val="tx1"/>
-                </a:solidFill>
-                <a:latin typeface="Arial" charset="0"/>
-                <a:ea typeface="ＭＳ Ｐゴシック" charset="0"/>
-              </a:defRPr>
-            </a:lvl5pPr>
-            <a:lvl6pPr marL="2514600" indent="-228600" eaLnBrk="0" fontAlgn="base" hangingPunct="0">
-              <a:spcBef>
-                <a:spcPct val="0"/>
-              </a:spcBef>
-              <a:spcAft>
-                <a:spcPct val="0"/>
-              </a:spcAft>
-              <a:defRPr sz="2400">
-                <a:solidFill>
-                  <a:schemeClr val="tx1"/>
-                </a:solidFill>
-                <a:latin typeface="Arial" charset="0"/>
-                <a:ea typeface="ＭＳ Ｐゴシック" charset="0"/>
-              </a:defRPr>
-            </a:lvl6pPr>
-            <a:lvl7pPr marL="2971800" indent="-228600" eaLnBrk="0" fontAlgn="base" hangingPunct="0">
-              <a:spcBef>
-                <a:spcPct val="0"/>
-              </a:spcBef>
-              <a:spcAft>
-                <a:spcPct val="0"/>
-              </a:spcAft>
-              <a:defRPr sz="2400">
-                <a:solidFill>
-                  <a:schemeClr val="tx1"/>
-                </a:solidFill>
-                <a:latin typeface="Arial" charset="0"/>
-                <a:ea typeface="ＭＳ Ｐゴシック" charset="0"/>
-              </a:defRPr>
-            </a:lvl7pPr>
-            <a:lvl8pPr marL="3429000" indent="-228600" eaLnBrk="0" fontAlgn="base" hangingPunct="0">
-              <a:spcBef>
-                <a:spcPct val="0"/>
-              </a:spcBef>
-              <a:spcAft>
-                <a:spcPct val="0"/>
-              </a:spcAft>
-              <a:defRPr sz="2400">
-                <a:solidFill>
-                  <a:schemeClr val="tx1"/>
-                </a:solidFill>
-                <a:latin typeface="Arial" charset="0"/>
-                <a:ea typeface="ＭＳ Ｐゴシック" charset="0"/>
-              </a:defRPr>
-            </a:lvl8pPr>
-            <a:lvl9pPr marL="3886200" indent="-228600" eaLnBrk="0" fontAlgn="base" hangingPunct="0">
-              <a:spcBef>
-                <a:spcPct val="0"/>
-              </a:spcBef>
-              <a:spcAft>
-                <a:spcPct val="0"/>
-              </a:spcAft>
-              <a:defRPr sz="2400">
-                <a:solidFill>
-                  <a:schemeClr val="tx1"/>
-                </a:solidFill>
-                <a:latin typeface="Arial" charset="0"/>
-                <a:ea typeface="ＭＳ Ｐゴシック" charset="0"/>
-              </a:defRPr>
-            </a:lvl9pPr>
-          </a:lstStyle>
-          <a:p>
-            <a:pPr eaLnBrk="1" hangingPunct="1"/>
-            <a:fld id="{CC4EF8BE-7644-CB45-980C-325F4650F280}" type="slidenum">
-              <a:rPr lang="en-US" sz="1200">
-                <a:latin typeface="Garamond" charset="0"/>
-              </a:rPr>
-              <a:pPr eaLnBrk="1" hangingPunct="1"/>
-              <a:t>20</a:t>
-            </a:fld>
-            <a:endParaRPr lang="en-US" sz="1200">
-              <a:latin typeface="Garamond" charset="0"/>
-            </a:endParaRPr>
-          </a:p>
-        </p:txBody>
-      </p:sp>
-    </p:spTree>
-    <p:extLst>
-      <p:ext uri="{BB962C8B-B14F-4D97-AF65-F5344CB8AC3E}">
-        <p14:creationId xmlns:p14="http://schemas.microsoft.com/office/powerpoint/2010/main" val="1875497428"/>
-      </p:ext>
-    </p:extLst>
-  </p:cSld>
-  <p:clrMapOvr>
-    <a:masterClrMapping/>
-  </p:clrMapOvr>
-  <p:timing>
-    <p:tnLst>
-      <p:par>
-        <p:cTn xmlns:p14="http://schemas.microsoft.com/office/powerpoint/2010/main" id="1" dur="indefinite" restart="never" nodeType="tmRoot"/>
-      </p:par>
-    </p:tnLst>
-  </p:timing>
-</p:sld>
-</file>
-
-<file path=ppt/slides/slide21.xml><?xml version="1.0" encoding="utf-8"?>
-<p:sld xmlns:a="http://schemas.openxmlformats.org/drawingml/2006/main" xmlns:r="http://schemas.openxmlformats.org/officeDocument/2006/relationships" xmlns:p="http://schemas.openxmlformats.org/presentationml/2006/main">
-  <p:cSld>
-    <p:spTree>
-      <p:nvGrpSpPr>
-        <p:cNvPr id="1" name=""/>
-        <p:cNvGrpSpPr/>
-        <p:nvPr/>
-      </p:nvGrpSpPr>
-      <p:grpSpPr>
-        <a:xfrm>
-          <a:off x="0" y="0"/>
-          <a:ext cx="0" cy="0"/>
-          <a:chOff x="0" y="0"/>
-          <a:chExt cx="0" cy="0"/>
-        </a:xfrm>
-      </p:grpSpPr>
-      <p:sp>
-        <p:nvSpPr>
-          <p:cNvPr id="40961" name="Title 1"/>
-          <p:cNvSpPr>
-            <a:spLocks noGrp="1"/>
-          </p:cNvSpPr>
-          <p:nvPr>
-            <p:ph type="title"/>
-          </p:nvPr>
-        </p:nvSpPr>
-        <p:spPr/>
-        <p:txBody>
-          <a:bodyPr/>
-          <a:lstStyle/>
-          <a:p>
-            <a:r>
-              <a:rPr lang="en-US">
-                <a:latin typeface="Garamond" charset="0"/>
-              </a:rPr>
-              <a:t>Final notes</a:t>
-            </a:r>
-          </a:p>
-        </p:txBody>
-      </p:sp>
-      <p:sp>
-        <p:nvSpPr>
-          <p:cNvPr id="40962" name="Content Placeholder 2"/>
-          <p:cNvSpPr>
-            <a:spLocks noGrp="1"/>
-          </p:cNvSpPr>
-          <p:nvPr>
-            <p:ph idx="1"/>
-          </p:nvPr>
-        </p:nvSpPr>
-        <p:spPr/>
-        <p:txBody>
-          <a:bodyPr/>
-          <a:lstStyle/>
-          <a:p>
-            <a:r>
-              <a:rPr lang="en-US" dirty="0">
-                <a:latin typeface="Arial" charset="0"/>
-              </a:rPr>
-              <a:t>Next time</a:t>
-            </a:r>
-          </a:p>
-          <a:p>
-            <a:pPr lvl="1"/>
-            <a:r>
-              <a:rPr lang="en-US" dirty="0" smtClean="0">
-                <a:latin typeface="Arial" charset="0"/>
-              </a:rPr>
-              <a:t>Character arrays and strings</a:t>
-            </a:r>
-            <a:endParaRPr lang="en-US" dirty="0">
-              <a:latin typeface="Arial" charset="0"/>
-            </a:endParaRPr>
-          </a:p>
-          <a:p>
-            <a:r>
-              <a:rPr lang="en-US" dirty="0">
-                <a:latin typeface="Arial" charset="0"/>
-              </a:rPr>
-              <a:t>Reminders:</a:t>
-            </a:r>
-          </a:p>
-          <a:p>
-            <a:pPr lvl="1"/>
-            <a:r>
-              <a:rPr lang="en-US" dirty="0">
-                <a:latin typeface="Arial" charset="0"/>
-              </a:rPr>
-              <a:t>Program 6 due 3/</a:t>
-            </a:r>
-            <a:r>
-              <a:rPr lang="en-US" dirty="0" smtClean="0">
-                <a:latin typeface="Arial" charset="0"/>
-              </a:rPr>
-              <a:t>28</a:t>
-            </a:r>
-          </a:p>
-          <a:p>
-            <a:pPr lvl="2"/>
-            <a:r>
-              <a:rPr lang="en-US">
-                <a:latin typeface="Arial" charset="0"/>
-              </a:rPr>
-              <a:t>Programs submitted 3/29-4/3 considered 1 </a:t>
-            </a:r>
-            <a:r>
-              <a:rPr lang="en-US">
-                <a:latin typeface="Arial" charset="0"/>
-              </a:rPr>
-              <a:t>day </a:t>
-            </a:r>
-            <a:r>
-              <a:rPr lang="en-US" smtClean="0">
-                <a:latin typeface="Arial" charset="0"/>
-              </a:rPr>
-              <a:t>late</a:t>
-            </a:r>
-            <a:endParaRPr lang="en-US" dirty="0">
-              <a:latin typeface="Arial" charset="0"/>
-            </a:endParaRPr>
-          </a:p>
-          <a:p>
-            <a:pPr lvl="1"/>
-            <a:r>
-              <a:rPr lang="en-US" dirty="0">
-                <a:latin typeface="Arial" charset="0"/>
-              </a:rPr>
-              <a:t>Exam 2 in class 3/30</a:t>
-            </a:r>
-          </a:p>
-          <a:p>
-            <a:pPr lvl="2"/>
-            <a:r>
-              <a:rPr lang="en-US" dirty="0">
-                <a:latin typeface="Arial" charset="0"/>
-              </a:rPr>
-              <a:t>Will be allowed one double-sided 8.5” x 11” note </a:t>
-            </a:r>
-            <a:r>
-              <a:rPr lang="en-US" dirty="0" smtClean="0">
-                <a:latin typeface="Arial" charset="0"/>
-              </a:rPr>
-              <a:t>sheet</a:t>
-            </a:r>
-          </a:p>
-          <a:p>
-            <a:pPr lvl="2"/>
-            <a:r>
-              <a:rPr lang="en-US" dirty="0">
-                <a:latin typeface="Arial" charset="0"/>
-              </a:rPr>
-              <a:t>Covers material starting after Exam 1, through this lecture (lectures 12-13, 15-21)</a:t>
-            </a:r>
-          </a:p>
-          <a:p>
-            <a:pPr lvl="2"/>
-            <a:endParaRPr lang="en-US" dirty="0">
-              <a:latin typeface="Arial" charset="0"/>
-            </a:endParaRPr>
-          </a:p>
-        </p:txBody>
-      </p:sp>
-      <p:sp>
-        <p:nvSpPr>
-          <p:cNvPr id="40963" name="Date Placeholder 3"/>
-          <p:cNvSpPr>
-            <a:spLocks noGrp="1"/>
-          </p:cNvSpPr>
-          <p:nvPr>
-            <p:ph type="dt" sz="quarter" idx="10"/>
-          </p:nvPr>
-        </p:nvSpPr>
-        <p:spPr>
-          <a:noFill/>
-          <a:ln/>
-          <a:extLst>
-            <a:ext uri="{909E8E84-426E-40dd-AFC4-6F175D3DCCD1}">
-              <a14:hiddenFill xmlns:a14="http://schemas.microsoft.com/office/drawing/2010/main">
-                <a:solidFill>
-                  <a:srgbClr val="FFFFFF"/>
-                </a:solidFill>
-              </a14:hiddenFill>
-            </a:ext>
-            <a:ext uri="{91240B29-F687-4f45-9708-019B960494DF}">
-              <a14:hiddenLine xmlns:a14="http://schemas.microsoft.com/office/drawing/2010/main" w="9525">
-                <a:solidFill>
-                  <a:srgbClr val="000000"/>
-                </a:solidFill>
-                <a:miter lim="800000"/>
-                <a:headEnd/>
-                <a:tailEnd/>
-              </a14:hiddenLine>
-            </a:ext>
-          </a:extLst>
-        </p:spPr>
-        <p:txBody>
-          <a:bodyPr/>
-          <a:lstStyle>
-            <a:lvl1pPr eaLnBrk="0" hangingPunct="0">
-              <a:defRPr sz="2400">
-                <a:solidFill>
-                  <a:schemeClr val="tx1"/>
-                </a:solidFill>
-                <a:latin typeface="Arial" charset="0"/>
-                <a:ea typeface="ＭＳ Ｐゴシック" charset="0"/>
-                <a:cs typeface="ＭＳ Ｐゴシック" charset="0"/>
-              </a:defRPr>
-            </a:lvl1pPr>
-            <a:lvl2pPr marL="742950" indent="-285750" eaLnBrk="0" hangingPunct="0">
-              <a:defRPr sz="2400">
-                <a:solidFill>
-                  <a:schemeClr val="tx1"/>
-                </a:solidFill>
-                <a:latin typeface="Arial" charset="0"/>
-                <a:ea typeface="ＭＳ Ｐゴシック" charset="0"/>
-              </a:defRPr>
-            </a:lvl2pPr>
-            <a:lvl3pPr marL="1143000" indent="-228600" eaLnBrk="0" hangingPunct="0">
-              <a:defRPr sz="2400">
-                <a:solidFill>
-                  <a:schemeClr val="tx1"/>
-                </a:solidFill>
-                <a:latin typeface="Arial" charset="0"/>
-                <a:ea typeface="ＭＳ Ｐゴシック" charset="0"/>
-              </a:defRPr>
-            </a:lvl3pPr>
-            <a:lvl4pPr marL="1600200" indent="-228600" eaLnBrk="0" hangingPunct="0">
-              <a:defRPr sz="2400">
-                <a:solidFill>
-                  <a:schemeClr val="tx1"/>
-                </a:solidFill>
-                <a:latin typeface="Arial" charset="0"/>
-                <a:ea typeface="ＭＳ Ｐゴシック" charset="0"/>
-              </a:defRPr>
-            </a:lvl4pPr>
-            <a:lvl5pPr marL="2057400" indent="-228600" eaLnBrk="0" hangingPunct="0">
-              <a:defRPr sz="2400">
-                <a:solidFill>
-                  <a:schemeClr val="tx1"/>
-                </a:solidFill>
-                <a:latin typeface="Arial" charset="0"/>
-                <a:ea typeface="ＭＳ Ｐゴシック" charset="0"/>
-              </a:defRPr>
-            </a:lvl5pPr>
-            <a:lvl6pPr marL="2514600" indent="-228600" eaLnBrk="0" fontAlgn="base" hangingPunct="0">
-              <a:spcBef>
-                <a:spcPct val="0"/>
-              </a:spcBef>
-              <a:spcAft>
-                <a:spcPct val="0"/>
-              </a:spcAft>
-              <a:defRPr sz="2400">
-                <a:solidFill>
-                  <a:schemeClr val="tx1"/>
-                </a:solidFill>
-                <a:latin typeface="Arial" charset="0"/>
-                <a:ea typeface="ＭＳ Ｐゴシック" charset="0"/>
-              </a:defRPr>
-            </a:lvl6pPr>
-            <a:lvl7pPr marL="2971800" indent="-228600" eaLnBrk="0" fontAlgn="base" hangingPunct="0">
-              <a:spcBef>
-                <a:spcPct val="0"/>
-              </a:spcBef>
-              <a:spcAft>
-                <a:spcPct val="0"/>
-              </a:spcAft>
-              <a:defRPr sz="2400">
-                <a:solidFill>
-                  <a:schemeClr val="tx1"/>
-                </a:solidFill>
-                <a:latin typeface="Arial" charset="0"/>
-                <a:ea typeface="ＭＳ Ｐゴシック" charset="0"/>
-              </a:defRPr>
-            </a:lvl7pPr>
-            <a:lvl8pPr marL="3429000" indent="-228600" eaLnBrk="0" fontAlgn="base" hangingPunct="0">
-              <a:spcBef>
-                <a:spcPct val="0"/>
-              </a:spcBef>
-              <a:spcAft>
-                <a:spcPct val="0"/>
-              </a:spcAft>
-              <a:defRPr sz="2400">
-                <a:solidFill>
-                  <a:schemeClr val="tx1"/>
-                </a:solidFill>
-                <a:latin typeface="Arial" charset="0"/>
-                <a:ea typeface="ＭＳ Ｐゴシック" charset="0"/>
-              </a:defRPr>
-            </a:lvl8pPr>
-            <a:lvl9pPr marL="3886200" indent="-228600" eaLnBrk="0" fontAlgn="base" hangingPunct="0">
-              <a:spcBef>
-                <a:spcPct val="0"/>
-              </a:spcBef>
-              <a:spcAft>
-                <a:spcPct val="0"/>
-              </a:spcAft>
-              <a:defRPr sz="2400">
-                <a:solidFill>
-                  <a:schemeClr val="tx1"/>
-                </a:solidFill>
-                <a:latin typeface="Arial" charset="0"/>
-                <a:ea typeface="ＭＳ Ｐゴシック" charset="0"/>
-              </a:defRPr>
-            </a:lvl9pPr>
-          </a:lstStyle>
-          <a:p>
-            <a:pPr eaLnBrk="1" hangingPunct="1"/>
-            <a:fld id="{89FE07D7-4ECC-0746-9429-91165E68E4D0}" type="datetime1">
-              <a:rPr lang="en-US" sz="1200" smtClean="0">
-                <a:latin typeface="Garamond" charset="0"/>
-              </a:rPr>
-              <a:t>3/21/16</a:t>
-            </a:fld>
-            <a:endParaRPr lang="en-US" sz="1200">
-              <a:latin typeface="Garamond" charset="0"/>
-            </a:endParaRPr>
-          </a:p>
-        </p:txBody>
-      </p:sp>
-      <p:sp>
-        <p:nvSpPr>
-          <p:cNvPr id="5" name="Footer Placeholder 4"/>
-          <p:cNvSpPr>
-            <a:spLocks noGrp="1"/>
-          </p:cNvSpPr>
-          <p:nvPr>
-            <p:ph type="ftr" sz="quarter" idx="11"/>
-          </p:nvPr>
-        </p:nvSpPr>
-        <p:spPr/>
-        <p:txBody>
-          <a:bodyPr/>
-          <a:lstStyle/>
-          <a:p>
-            <a:pPr>
-              <a:defRPr/>
-            </a:pPr>
-            <a:r>
-              <a:rPr lang="en-US" altLang="en-US" smtClean="0"/>
-              <a:t>ECE Application Programming: Lecture 20</a:t>
-            </a:r>
-            <a:endParaRPr lang="en-US" altLang="en-US"/>
-          </a:p>
-        </p:txBody>
-      </p:sp>
-      <p:sp>
-        <p:nvSpPr>
-          <p:cNvPr id="40965" name="Slide Number Placeholder 5"/>
-          <p:cNvSpPr>
-            <a:spLocks noGrp="1"/>
-          </p:cNvSpPr>
-          <p:nvPr>
-            <p:ph type="sldNum" sz="quarter" idx="12"/>
-          </p:nvPr>
-        </p:nvSpPr>
-        <p:spPr>
-          <a:noFill/>
-          <a:ln/>
-          <a:extLst>
-            <a:ext uri="{909E8E84-426E-40dd-AFC4-6F175D3DCCD1}">
-              <a14:hiddenFill xmlns:a14="http://schemas.microsoft.com/office/drawing/2010/main">
-                <a:solidFill>
-                  <a:srgbClr val="FFFFFF"/>
-                </a:solidFill>
-              </a14:hiddenFill>
-            </a:ext>
-            <a:ext uri="{91240B29-F687-4f45-9708-019B960494DF}">
-              <a14:hiddenLine xmlns:a14="http://schemas.microsoft.com/office/drawing/2010/main" w="9525">
-                <a:solidFill>
-                  <a:srgbClr val="000000"/>
-                </a:solidFill>
-                <a:miter lim="800000"/>
-                <a:headEnd/>
-                <a:tailEnd/>
-              </a14:hiddenLine>
-            </a:ext>
-          </a:extLst>
-        </p:spPr>
-        <p:txBody>
-          <a:bodyPr/>
-          <a:lstStyle>
-            <a:lvl1pPr eaLnBrk="0" hangingPunct="0">
-              <a:defRPr sz="2400">
-                <a:solidFill>
-                  <a:schemeClr val="tx1"/>
-                </a:solidFill>
-                <a:latin typeface="Arial" charset="0"/>
-                <a:ea typeface="ＭＳ Ｐゴシック" charset="0"/>
-                <a:cs typeface="ＭＳ Ｐゴシック" charset="0"/>
-              </a:defRPr>
-            </a:lvl1pPr>
-            <a:lvl2pPr marL="742950" indent="-285750" eaLnBrk="0" hangingPunct="0">
-              <a:defRPr sz="2400">
-                <a:solidFill>
-                  <a:schemeClr val="tx1"/>
-                </a:solidFill>
-                <a:latin typeface="Arial" charset="0"/>
-                <a:ea typeface="ＭＳ Ｐゴシック" charset="0"/>
-              </a:defRPr>
-            </a:lvl2pPr>
-            <a:lvl3pPr marL="1143000" indent="-228600" eaLnBrk="0" hangingPunct="0">
-              <a:defRPr sz="2400">
-                <a:solidFill>
-                  <a:schemeClr val="tx1"/>
-                </a:solidFill>
-                <a:latin typeface="Arial" charset="0"/>
-                <a:ea typeface="ＭＳ Ｐゴシック" charset="0"/>
-              </a:defRPr>
-            </a:lvl3pPr>
-            <a:lvl4pPr marL="1600200" indent="-228600" eaLnBrk="0" hangingPunct="0">
-              <a:defRPr sz="2400">
-                <a:solidFill>
-                  <a:schemeClr val="tx1"/>
-                </a:solidFill>
-                <a:latin typeface="Arial" charset="0"/>
-                <a:ea typeface="ＭＳ Ｐゴシック" charset="0"/>
-              </a:defRPr>
-            </a:lvl4pPr>
-            <a:lvl5pPr marL="2057400" indent="-228600" eaLnBrk="0" hangingPunct="0">
-              <a:defRPr sz="2400">
-                <a:solidFill>
-                  <a:schemeClr val="tx1"/>
-                </a:solidFill>
-                <a:latin typeface="Arial" charset="0"/>
-                <a:ea typeface="ＭＳ Ｐゴシック" charset="0"/>
-              </a:defRPr>
-            </a:lvl5pPr>
-            <a:lvl6pPr marL="2514600" indent="-228600" eaLnBrk="0" fontAlgn="base" hangingPunct="0">
-              <a:spcBef>
-                <a:spcPct val="0"/>
-              </a:spcBef>
-              <a:spcAft>
-                <a:spcPct val="0"/>
-              </a:spcAft>
-              <a:defRPr sz="2400">
-                <a:solidFill>
-                  <a:schemeClr val="tx1"/>
-                </a:solidFill>
-                <a:latin typeface="Arial" charset="0"/>
-                <a:ea typeface="ＭＳ Ｐゴシック" charset="0"/>
-              </a:defRPr>
-            </a:lvl6pPr>
-            <a:lvl7pPr marL="2971800" indent="-228600" eaLnBrk="0" fontAlgn="base" hangingPunct="0">
-              <a:spcBef>
-                <a:spcPct val="0"/>
-              </a:spcBef>
-              <a:spcAft>
-                <a:spcPct val="0"/>
-              </a:spcAft>
-              <a:defRPr sz="2400">
-                <a:solidFill>
-                  <a:schemeClr val="tx1"/>
-                </a:solidFill>
-                <a:latin typeface="Arial" charset="0"/>
-                <a:ea typeface="ＭＳ Ｐゴシック" charset="0"/>
-              </a:defRPr>
-            </a:lvl7pPr>
-            <a:lvl8pPr marL="3429000" indent="-228600" eaLnBrk="0" fontAlgn="base" hangingPunct="0">
-              <a:spcBef>
-                <a:spcPct val="0"/>
-              </a:spcBef>
-              <a:spcAft>
-                <a:spcPct val="0"/>
-              </a:spcAft>
-              <a:defRPr sz="2400">
-                <a:solidFill>
-                  <a:schemeClr val="tx1"/>
-                </a:solidFill>
-                <a:latin typeface="Arial" charset="0"/>
-                <a:ea typeface="ＭＳ Ｐゴシック" charset="0"/>
-              </a:defRPr>
-            </a:lvl8pPr>
-            <a:lvl9pPr marL="3886200" indent="-228600" eaLnBrk="0" fontAlgn="base" hangingPunct="0">
-              <a:spcBef>
-                <a:spcPct val="0"/>
-              </a:spcBef>
-              <a:spcAft>
-                <a:spcPct val="0"/>
-              </a:spcAft>
-              <a:defRPr sz="2400">
-                <a:solidFill>
-                  <a:schemeClr val="tx1"/>
-                </a:solidFill>
-                <a:latin typeface="Arial" charset="0"/>
-                <a:ea typeface="ＭＳ Ｐゴシック" charset="0"/>
-              </a:defRPr>
-            </a:lvl9pPr>
-          </a:lstStyle>
-          <a:p>
-            <a:pPr eaLnBrk="1" hangingPunct="1"/>
-            <a:fld id="{995840FA-E6F5-0343-A066-8FDDE6435D57}" type="slidenum">
-              <a:rPr lang="en-US" sz="1200">
-                <a:latin typeface="Garamond" charset="0"/>
-              </a:rPr>
-              <a:pPr eaLnBrk="1" hangingPunct="1"/>
-              <a:t>21</a:t>
             </a:fld>
             <a:endParaRPr lang="en-US" sz="1200">
               <a:latin typeface="Garamond" charset="0"/>
@@ -24485,12 +22300,11 @@
           </a:lstStyle>
           <a:p>
             <a:pPr eaLnBrk="1" hangingPunct="1"/>
-            <a:fld id="{F6934E2F-EC8B-0D49-B2DA-8D89DFCFD380}" type="datetime1">
-              <a:rPr lang="en-US" sz="1200">
+            <a:fld id="{5F0FBD7B-3205-437B-A622-E493971B7C39}" type="datetime1">
+              <a:rPr lang="en-US" sz="1200" smtClean="0">
                 <a:latin typeface="Garamond" charset="0"/>
               </a:rPr>
-              <a:pPr eaLnBrk="1" hangingPunct="1"/>
-              <a:t>3/21/16</a:t>
+              <a:t>3/23/16</a:t>
             </a:fld>
             <a:endParaRPr lang="en-US" sz="1200">
               <a:latin typeface="Garamond" charset="0"/>
@@ -24517,9 +22331,10 @@
               <a:defRPr/>
             </a:pPr>
             <a:r>
-              <a:rPr lang="en-US" altLang="en-US"/>
-              <a:t>ECE Application Programming: Lecture 20</a:t>
-            </a:r>
+              <a:rPr lang="en-US" altLang="en-US" smtClean="0"/>
+              <a:t>ECE Application Programming: Lecture 21</a:t>
+            </a:r>
+            <a:endParaRPr lang="en-US" altLang="en-US"/>
           </a:p>
         </p:txBody>
       </p:sp>
@@ -25090,12 +22905,11 @@
           </a:lstStyle>
           <a:p>
             <a:pPr eaLnBrk="1" hangingPunct="1"/>
-            <a:fld id="{B3BB1B8C-62BF-F743-8C79-752EF7303E46}" type="datetime1">
-              <a:rPr lang="en-US" sz="1200">
+            <a:fld id="{D39055CA-9171-4487-842D-E9E1D4122E3C}" type="datetime1">
+              <a:rPr lang="en-US" sz="1200" smtClean="0">
                 <a:latin typeface="Garamond" charset="0"/>
               </a:rPr>
-              <a:pPr eaLnBrk="1" hangingPunct="1"/>
-              <a:t>3/21/16</a:t>
+              <a:t>3/23/16</a:t>
             </a:fld>
             <a:endParaRPr lang="en-US" sz="1200">
               <a:latin typeface="Garamond" charset="0"/>
@@ -25122,8 +22936,8 @@
               <a:defRPr/>
             </a:pPr>
             <a:r>
-              <a:rPr lang="en-US" altLang="en-US"/>
-              <a:t>ECE Application Programming: Lecture 20</a:t>
+              <a:rPr lang="en-US" altLang="en-US" smtClean="0"/>
+              <a:t>ECE Application Programming: Lecture 21</a:t>
             </a:r>
             <a:endParaRPr lang="en-US" altLang="en-US" dirty="0"/>
           </a:p>
@@ -25493,12 +23307,11 @@
           </a:lstStyle>
           <a:p>
             <a:pPr eaLnBrk="1" hangingPunct="1"/>
-            <a:fld id="{DF5A26CF-C276-FF49-B79D-99F827E9F787}" type="datetime1">
-              <a:rPr lang="en-US" sz="1200">
+            <a:fld id="{719087AE-3C6F-4FBB-800A-0FE5B95E8A7A}" type="datetime1">
+              <a:rPr lang="en-US" sz="1200" smtClean="0">
                 <a:latin typeface="Garamond" charset="0"/>
               </a:rPr>
-              <a:pPr eaLnBrk="1" hangingPunct="1"/>
-              <a:t>3/21/16</a:t>
+              <a:t>3/23/16</a:t>
             </a:fld>
             <a:endParaRPr lang="en-US" sz="1200">
               <a:latin typeface="Garamond" charset="0"/>
@@ -25525,9 +23338,10 @@
               <a:defRPr/>
             </a:pPr>
             <a:r>
-              <a:rPr lang="en-US" altLang="en-US"/>
-              <a:t>ECE Application Programming: Lecture 20</a:t>
-            </a:r>
+              <a:rPr lang="en-US" altLang="en-US" smtClean="0"/>
+              <a:t>ECE Application Programming: Lecture 21</a:t>
+            </a:r>
+            <a:endParaRPr lang="en-US" altLang="en-US"/>
           </a:p>
         </p:txBody>
       </p:sp>
@@ -26236,12 +24050,11 @@
           </a:lstStyle>
           <a:p>
             <a:pPr eaLnBrk="1" hangingPunct="1"/>
-            <a:fld id="{9AD3A059-5CDB-314E-B27C-C84DBF08C3DD}" type="datetime1">
-              <a:rPr lang="en-US" sz="1200">
+            <a:fld id="{05455B83-84E4-4BBF-850A-BA8AF66DC966}" type="datetime1">
+              <a:rPr lang="en-US" sz="1200" smtClean="0">
                 <a:latin typeface="Garamond" charset="0"/>
               </a:rPr>
-              <a:pPr eaLnBrk="1" hangingPunct="1"/>
-              <a:t>3/21/16</a:t>
+              <a:t>3/23/16</a:t>
             </a:fld>
             <a:endParaRPr lang="en-US" sz="1200">
               <a:latin typeface="Garamond" charset="0"/>
@@ -26268,9 +24081,10 @@
               <a:defRPr/>
             </a:pPr>
             <a:r>
-              <a:rPr lang="en-US" altLang="en-US"/>
-              <a:t>ECE Application Programming: Lecture 20</a:t>
-            </a:r>
+              <a:rPr lang="en-US" altLang="en-US" smtClean="0"/>
+              <a:t>ECE Application Programming: Lecture 21</a:t>
+            </a:r>
+            <a:endParaRPr lang="en-US" altLang="en-US"/>
           </a:p>
         </p:txBody>
       </p:sp>
@@ -29702,12 +27516,11 @@
           </a:lstStyle>
           <a:p>
             <a:pPr eaLnBrk="1" hangingPunct="1"/>
-            <a:fld id="{06FC68E4-19FC-B348-91F5-97D35A6800F4}" type="datetime1">
-              <a:rPr lang="en-US" sz="1200">
+            <a:fld id="{77491DB5-914F-444D-9B99-96E467FF8210}" type="datetime1">
+              <a:rPr lang="en-US" sz="1200" smtClean="0">
                 <a:latin typeface="Garamond" charset="0"/>
               </a:rPr>
-              <a:pPr eaLnBrk="1" hangingPunct="1"/>
-              <a:t>3/21/16</a:t>
+              <a:t>3/23/16</a:t>
             </a:fld>
             <a:endParaRPr lang="en-US" sz="1200">
               <a:latin typeface="Garamond" charset="0"/>
@@ -29734,9 +27547,10 @@
               <a:defRPr/>
             </a:pPr>
             <a:r>
-              <a:rPr lang="en-US" altLang="en-US"/>
-              <a:t>ECE Application Programming: Lecture 20</a:t>
-            </a:r>
+              <a:rPr lang="en-US" altLang="en-US" smtClean="0"/>
+              <a:t>ECE Application Programming: Lecture 21</a:t>
+            </a:r>
+            <a:endParaRPr lang="en-US" altLang="en-US"/>
           </a:p>
         </p:txBody>
       </p:sp>
@@ -36257,12 +34071,11 @@
           </a:lstStyle>
           <a:p>
             <a:pPr eaLnBrk="1" hangingPunct="1"/>
-            <a:fld id="{00FFB75B-A450-A648-AC2A-40D9878AB468}" type="datetime1">
-              <a:rPr lang="en-US" sz="1200">
+            <a:fld id="{C5112C61-8D87-448D-A661-66F6703D9C87}" type="datetime1">
+              <a:rPr lang="en-US" sz="1200" smtClean="0">
                 <a:latin typeface="Garamond" charset="0"/>
               </a:rPr>
-              <a:pPr eaLnBrk="1" hangingPunct="1"/>
-              <a:t>3/21/16</a:t>
+              <a:t>3/23/16</a:t>
             </a:fld>
             <a:endParaRPr lang="en-US" sz="1200">
               <a:latin typeface="Garamond" charset="0"/>
@@ -36447,9 +34260,10 @@
               <a:defRPr/>
             </a:pPr>
             <a:r>
-              <a:rPr lang="en-US" altLang="en-US"/>
-              <a:t>ECE Application Programming: Lecture 20</a:t>
-            </a:r>
+              <a:rPr lang="en-US" altLang="en-US" smtClean="0"/>
+              <a:t>ECE Application Programming: Lecture 21</a:t>
+            </a:r>
+            <a:endParaRPr lang="en-US" altLang="en-US"/>
           </a:p>
         </p:txBody>
       </p:sp>
@@ -36659,12 +34473,11 @@
           </a:lstStyle>
           <a:p>
             <a:pPr eaLnBrk="1" hangingPunct="1"/>
-            <a:fld id="{33337459-23D6-EE49-B715-39222CD37C4A}" type="datetime1">
-              <a:rPr lang="en-US" sz="1200">
+            <a:fld id="{F84A9A14-9FE6-4A5B-9E28-27B7FE532E9C}" type="datetime1">
+              <a:rPr lang="en-US" sz="1200" smtClean="0">
                 <a:latin typeface="Garamond" charset="0"/>
               </a:rPr>
-              <a:pPr eaLnBrk="1" hangingPunct="1"/>
-              <a:t>3/21/16</a:t>
+              <a:t>3/23/16</a:t>
             </a:fld>
             <a:endParaRPr lang="en-US" sz="1200">
               <a:latin typeface="Garamond" charset="0"/>
@@ -36691,9 +34504,10 @@
               <a:defRPr/>
             </a:pPr>
             <a:r>
-              <a:rPr lang="en-US" altLang="en-US"/>
-              <a:t>ECE Application Programming: Lecture 20</a:t>
-            </a:r>
+              <a:rPr lang="en-US" altLang="en-US" smtClean="0"/>
+              <a:t>ECE Application Programming: Lecture 21</a:t>
+            </a:r>
+            <a:endParaRPr lang="en-US" altLang="en-US"/>
           </a:p>
         </p:txBody>
       </p:sp>
